--- a/Research Poster.pptx
+++ b/Research Poster.pptx
@@ -243,7 +243,7 @@
           <a:p>
             <a:fld id="{9C022F2F-1DFB-4495-9929-91AA1C47FA66}" type="datetimeFigureOut">
               <a:rPr lang="en-US" smtClean="0"/>
-              <a:t>5/25/2018</a:t>
+              <a:t>5/24/2018</a:t>
             </a:fld>
             <a:endParaRPr lang="en-US"/>
           </a:p>
@@ -413,7 +413,7 @@
           <a:p>
             <a:fld id="{9C022F2F-1DFB-4495-9929-91AA1C47FA66}" type="datetimeFigureOut">
               <a:rPr lang="en-US" smtClean="0"/>
-              <a:t>5/25/2018</a:t>
+              <a:t>5/24/2018</a:t>
             </a:fld>
             <a:endParaRPr lang="en-US"/>
           </a:p>
@@ -593,7 +593,7 @@
           <a:p>
             <a:fld id="{9C022F2F-1DFB-4495-9929-91AA1C47FA66}" type="datetimeFigureOut">
               <a:rPr lang="en-US" smtClean="0"/>
-              <a:t>5/25/2018</a:t>
+              <a:t>5/24/2018</a:t>
             </a:fld>
             <a:endParaRPr lang="en-US"/>
           </a:p>
@@ -763,7 +763,7 @@
           <a:p>
             <a:fld id="{9C022F2F-1DFB-4495-9929-91AA1C47FA66}" type="datetimeFigureOut">
               <a:rPr lang="en-US" smtClean="0"/>
-              <a:t>5/25/2018</a:t>
+              <a:t>5/24/2018</a:t>
             </a:fld>
             <a:endParaRPr lang="en-US"/>
           </a:p>
@@ -1007,7 +1007,7 @@
           <a:p>
             <a:fld id="{9C022F2F-1DFB-4495-9929-91AA1C47FA66}" type="datetimeFigureOut">
               <a:rPr lang="en-US" smtClean="0"/>
-              <a:t>5/25/2018</a:t>
+              <a:t>5/24/2018</a:t>
             </a:fld>
             <a:endParaRPr lang="en-US"/>
           </a:p>
@@ -1239,7 +1239,7 @@
           <a:p>
             <a:fld id="{9C022F2F-1DFB-4495-9929-91AA1C47FA66}" type="datetimeFigureOut">
               <a:rPr lang="en-US" smtClean="0"/>
-              <a:t>5/25/2018</a:t>
+              <a:t>5/24/2018</a:t>
             </a:fld>
             <a:endParaRPr lang="en-US"/>
           </a:p>
@@ -1606,7 +1606,7 @@
           <a:p>
             <a:fld id="{9C022F2F-1DFB-4495-9929-91AA1C47FA66}" type="datetimeFigureOut">
               <a:rPr lang="en-US" smtClean="0"/>
-              <a:t>5/25/2018</a:t>
+              <a:t>5/24/2018</a:t>
             </a:fld>
             <a:endParaRPr lang="en-US"/>
           </a:p>
@@ -1724,7 +1724,7 @@
           <a:p>
             <a:fld id="{9C022F2F-1DFB-4495-9929-91AA1C47FA66}" type="datetimeFigureOut">
               <a:rPr lang="en-US" smtClean="0"/>
-              <a:t>5/25/2018</a:t>
+              <a:t>5/24/2018</a:t>
             </a:fld>
             <a:endParaRPr lang="en-US"/>
           </a:p>
@@ -1819,7 +1819,7 @@
           <a:p>
             <a:fld id="{9C022F2F-1DFB-4495-9929-91AA1C47FA66}" type="datetimeFigureOut">
               <a:rPr lang="en-US" smtClean="0"/>
-              <a:t>5/25/2018</a:t>
+              <a:t>5/24/2018</a:t>
             </a:fld>
             <a:endParaRPr lang="en-US"/>
           </a:p>
@@ -2096,7 +2096,7 @@
           <a:p>
             <a:fld id="{9C022F2F-1DFB-4495-9929-91AA1C47FA66}" type="datetimeFigureOut">
               <a:rPr lang="en-US" smtClean="0"/>
-              <a:t>5/25/2018</a:t>
+              <a:t>5/24/2018</a:t>
             </a:fld>
             <a:endParaRPr lang="en-US"/>
           </a:p>
@@ -2353,7 +2353,7 @@
           <a:p>
             <a:fld id="{9C022F2F-1DFB-4495-9929-91AA1C47FA66}" type="datetimeFigureOut">
               <a:rPr lang="en-US" smtClean="0"/>
-              <a:t>5/25/2018</a:t>
+              <a:t>5/24/2018</a:t>
             </a:fld>
             <a:endParaRPr lang="en-US"/>
           </a:p>
@@ -2566,7 +2566,7 @@
           <a:p>
             <a:fld id="{9C022F2F-1DFB-4495-9929-91AA1C47FA66}" type="datetimeFigureOut">
               <a:rPr lang="en-US" smtClean="0"/>
-              <a:t>5/25/2018</a:t>
+              <a:t>5/24/2018</a:t>
             </a:fld>
             <a:endParaRPr lang="en-US"/>
           </a:p>
@@ -2985,7 +2985,7 @@
         </p:nvSpPr>
         <p:spPr>
           <a:xfrm>
-            <a:off x="0" y="-1271366"/>
+            <a:off x="0" y="0"/>
             <a:ext cx="38404800" cy="6376737"/>
           </a:xfrm>
           <a:prstGeom prst="rect">
@@ -3034,7 +3034,7 @@
         </p:nvSpPr>
         <p:spPr>
           <a:xfrm>
-            <a:off x="7350986" y="-1222313"/>
+            <a:off x="7350986" y="541420"/>
             <a:ext cx="29574237" cy="3631763"/>
           </a:xfrm>
           <a:prstGeom prst="rect">
@@ -3074,7 +3074,7 @@
         </p:nvSpPr>
         <p:spPr>
           <a:xfrm>
-            <a:off x="11944310" y="2582580"/>
+            <a:off x="12053177" y="4714603"/>
             <a:ext cx="19351708" cy="1015663"/>
           </a:xfrm>
           <a:prstGeom prst="rect">
@@ -3113,7 +3113,7 @@
         </p:nvSpPr>
         <p:spPr>
           <a:xfrm>
-            <a:off x="1321773" y="-729944"/>
+            <a:off x="1081066" y="541420"/>
             <a:ext cx="4790344" cy="5293895"/>
           </a:xfrm>
           <a:prstGeom prst="rect">
@@ -3180,7 +3180,7 @@
         </p:blipFill>
         <p:spPr bwMode="auto">
           <a:xfrm>
-            <a:off x="2140807" y="-196728"/>
+            <a:off x="1917993" y="995761"/>
             <a:ext cx="3152275" cy="4531393"/>
           </a:xfrm>
           <a:prstGeom prst="rect">
@@ -3212,7 +3212,7 @@
         </p:nvSpPr>
         <p:spPr>
           <a:xfrm>
-            <a:off x="1637010" y="5441066"/>
+            <a:off x="1724600" y="6831078"/>
             <a:ext cx="6691334" cy="1852863"/>
           </a:xfrm>
           <a:prstGeom prst="rect">
@@ -3221,11 +3221,6 @@
           <a:solidFill>
             <a:srgbClr val="0096A0"/>
           </a:solidFill>
-          <a:ln>
-            <a:solidFill>
-              <a:srgbClr val="FF0000"/>
-            </a:solidFill>
-          </a:ln>
         </p:spPr>
         <p:style>
           <a:lnRef idx="2">
@@ -3266,7 +3261,7 @@
         </p:nvSpPr>
         <p:spPr>
           <a:xfrm>
-            <a:off x="2501755" y="5469843"/>
+            <a:off x="2278940" y="6972679"/>
             <a:ext cx="5582653" cy="1569660"/>
           </a:xfrm>
           <a:prstGeom prst="rect">
@@ -3291,335 +3286,6 @@
                 </a:solidFill>
               </a:rPr>
               <a:t>Abstract</a:t>
-            </a:r>
-          </a:p>
-        </p:txBody>
-      </p:sp>
-      <p:pic>
-        <p:nvPicPr>
-          <p:cNvPr id="13" name="Picture 12">
-            <a:extLst>
-              <a:ext uri="{FF2B5EF4-FFF2-40B4-BE49-F238E27FC236}">
-                <a16:creationId xmlns:a16="http://schemas.microsoft.com/office/drawing/2014/main" id="{080271C0-A2E6-40F7-92E3-47EF079640A2}"/>
-              </a:ext>
-            </a:extLst>
-          </p:cNvPr>
-          <p:cNvPicPr>
-            <a:picLocks noChangeAspect="1"/>
-          </p:cNvPicPr>
-          <p:nvPr/>
-        </p:nvPicPr>
-        <p:blipFill>
-          <a:blip r:embed="rId3">
-            <a:extLst>
-              <a:ext uri="{28A0092B-C50C-407E-A947-70E740481C1C}">
-                <a14:useLocalDpi xmlns:a14="http://schemas.microsoft.com/office/drawing/2010/main" val="0"/>
-              </a:ext>
-            </a:extLst>
-          </a:blip>
-          <a:stretch>
-            <a:fillRect/>
-          </a:stretch>
-        </p:blipFill>
-        <p:spPr>
-          <a:xfrm>
-            <a:off x="1027880" y="21136708"/>
-            <a:ext cx="9447630" cy="5299531"/>
-          </a:xfrm>
-          <a:prstGeom prst="rect">
-            <a:avLst/>
-          </a:prstGeom>
-        </p:spPr>
-      </p:pic>
-      <p:pic>
-        <p:nvPicPr>
-          <p:cNvPr id="15" name="Picture 14">
-            <a:extLst>
-              <a:ext uri="{FF2B5EF4-FFF2-40B4-BE49-F238E27FC236}">
-                <a16:creationId xmlns:a16="http://schemas.microsoft.com/office/drawing/2014/main" id="{3B31B9B8-BF35-412D-8110-2B0C2690BD68}"/>
-              </a:ext>
-            </a:extLst>
-          </p:cNvPr>
-          <p:cNvPicPr>
-            <a:picLocks noChangeAspect="1"/>
-          </p:cNvPicPr>
-          <p:nvPr/>
-        </p:nvPicPr>
-        <p:blipFill>
-          <a:blip r:embed="rId4">
-            <a:extLst>
-              <a:ext uri="{28A0092B-C50C-407E-A947-70E740481C1C}">
-                <a14:useLocalDpi xmlns:a14="http://schemas.microsoft.com/office/drawing/2010/main" val="0"/>
-              </a:ext>
-            </a:extLst>
-          </a:blip>
-          <a:stretch>
-            <a:fillRect/>
-          </a:stretch>
-        </p:blipFill>
-        <p:spPr>
-          <a:xfrm>
-            <a:off x="13313056" y="21136709"/>
-            <a:ext cx="9281066" cy="5206098"/>
-          </a:xfrm>
-          <a:prstGeom prst="rect">
-            <a:avLst/>
-          </a:prstGeom>
-        </p:spPr>
-      </p:pic>
-      <p:pic>
-        <p:nvPicPr>
-          <p:cNvPr id="17" name="Picture 16">
-            <a:extLst>
-              <a:ext uri="{FF2B5EF4-FFF2-40B4-BE49-F238E27FC236}">
-                <a16:creationId xmlns:a16="http://schemas.microsoft.com/office/drawing/2014/main" id="{E3CC9291-64A5-4F1F-AC93-630534973698}"/>
-              </a:ext>
-            </a:extLst>
-          </p:cNvPr>
-          <p:cNvPicPr>
-            <a:picLocks noChangeAspect="1"/>
-          </p:cNvPicPr>
-          <p:nvPr/>
-        </p:nvPicPr>
-        <p:blipFill>
-          <a:blip r:embed="rId5">
-            <a:extLst>
-              <a:ext uri="{28A0092B-C50C-407E-A947-70E740481C1C}">
-                <a14:useLocalDpi xmlns:a14="http://schemas.microsoft.com/office/drawing/2010/main" val="0"/>
-              </a:ext>
-            </a:extLst>
-          </a:blip>
-          <a:stretch>
-            <a:fillRect/>
-          </a:stretch>
-        </p:blipFill>
-        <p:spPr>
-          <a:xfrm>
-            <a:off x="13313056" y="11218984"/>
-            <a:ext cx="9618282" cy="4384550"/>
-          </a:xfrm>
-          <a:prstGeom prst="rect">
-            <a:avLst/>
-          </a:prstGeom>
-        </p:spPr>
-      </p:pic>
-      <p:sp>
-        <p:nvSpPr>
-          <p:cNvPr id="19" name="Rectangle 18">
-            <a:extLst>
-              <a:ext uri="{FF2B5EF4-FFF2-40B4-BE49-F238E27FC236}">
-                <a16:creationId xmlns:a16="http://schemas.microsoft.com/office/drawing/2014/main" id="{84F4B702-6846-48DC-AB8F-8479FFDE2757}"/>
-              </a:ext>
-            </a:extLst>
-          </p:cNvPr>
-          <p:cNvSpPr/>
-          <p:nvPr/>
-        </p:nvSpPr>
-        <p:spPr>
-          <a:xfrm>
-            <a:off x="12801601" y="5503060"/>
-            <a:ext cx="9618282" cy="1852863"/>
-          </a:xfrm>
-          <a:prstGeom prst="rect">
-            <a:avLst/>
-          </a:prstGeom>
-          <a:solidFill>
-            <a:srgbClr val="0096A0"/>
-          </a:solidFill>
-          <a:ln>
-            <a:solidFill>
-              <a:srgbClr val="FF0000"/>
-            </a:solidFill>
-          </a:ln>
-        </p:spPr>
-        <p:style>
-          <a:lnRef idx="2">
-            <a:schemeClr val="accent1">
-              <a:shade val="50000"/>
-            </a:schemeClr>
-          </a:lnRef>
-          <a:fillRef idx="1">
-            <a:schemeClr val="accent1"/>
-          </a:fillRef>
-          <a:effectRef idx="0">
-            <a:schemeClr val="accent1"/>
-          </a:effectRef>
-          <a:fontRef idx="minor">
-            <a:schemeClr val="lt1"/>
-          </a:fontRef>
-        </p:style>
-        <p:txBody>
-          <a:bodyPr rtlCol="0" anchor="ctr"/>
-          <a:lstStyle/>
-          <a:p>
-            <a:pPr algn="ctr"/>
-            <a:endParaRPr lang="en-US"/>
-          </a:p>
-        </p:txBody>
-      </p:sp>
-      <p:sp>
-        <p:nvSpPr>
-          <p:cNvPr id="20" name="TextBox 19">
-            <a:extLst>
-              <a:ext uri="{FF2B5EF4-FFF2-40B4-BE49-F238E27FC236}">
-                <a16:creationId xmlns:a16="http://schemas.microsoft.com/office/drawing/2014/main" id="{D9A814F5-C410-4484-B309-5A72F3020499}"/>
-              </a:ext>
-            </a:extLst>
-          </p:cNvPr>
-          <p:cNvSpPr txBox="1"/>
-          <p:nvPr/>
-        </p:nvSpPr>
-        <p:spPr>
-          <a:xfrm>
-            <a:off x="15148895" y="5600516"/>
-            <a:ext cx="4923693" cy="1569660"/>
-          </a:xfrm>
-          <a:prstGeom prst="rect">
-            <a:avLst/>
-          </a:prstGeom>
-          <a:noFill/>
-        </p:spPr>
-        <p:txBody>
-          <a:bodyPr wrap="square" rtlCol="0">
-            <a:spAutoFit/>
-          </a:bodyPr>
-          <a:lstStyle/>
-          <a:p>
-            <a:r>
-              <a:rPr lang="en-US" sz="9600" dirty="0">
-                <a:solidFill>
-                  <a:schemeClr val="bg1"/>
-                </a:solidFill>
-              </a:rPr>
-              <a:t>Methods</a:t>
-            </a:r>
-          </a:p>
-        </p:txBody>
-      </p:sp>
-      <p:sp>
-        <p:nvSpPr>
-          <p:cNvPr id="21" name="Rectangle 20">
-            <a:extLst>
-              <a:ext uri="{FF2B5EF4-FFF2-40B4-BE49-F238E27FC236}">
-                <a16:creationId xmlns:a16="http://schemas.microsoft.com/office/drawing/2014/main" id="{FB0D1F30-D472-422E-A938-531F668ACAF6}"/>
-              </a:ext>
-            </a:extLst>
-          </p:cNvPr>
-          <p:cNvSpPr/>
-          <p:nvPr/>
-        </p:nvSpPr>
-        <p:spPr>
-          <a:xfrm>
-            <a:off x="25848223" y="5458914"/>
-            <a:ext cx="11077000" cy="1852863"/>
-          </a:xfrm>
-          <a:prstGeom prst="rect">
-            <a:avLst/>
-          </a:prstGeom>
-          <a:solidFill>
-            <a:srgbClr val="0096A0"/>
-          </a:solidFill>
-          <a:ln>
-            <a:solidFill>
-              <a:srgbClr val="FF0000"/>
-            </a:solidFill>
-          </a:ln>
-        </p:spPr>
-        <p:style>
-          <a:lnRef idx="2">
-            <a:schemeClr val="accent1">
-              <a:shade val="50000"/>
-            </a:schemeClr>
-          </a:lnRef>
-          <a:fillRef idx="1">
-            <a:schemeClr val="accent1"/>
-          </a:fillRef>
-          <a:effectRef idx="0">
-            <a:schemeClr val="accent1"/>
-          </a:effectRef>
-          <a:fontRef idx="minor">
-            <a:schemeClr val="lt1"/>
-          </a:fontRef>
-        </p:style>
-        <p:txBody>
-          <a:bodyPr rtlCol="0" anchor="ctr"/>
-          <a:lstStyle/>
-          <a:p>
-            <a:pPr algn="ctr"/>
-            <a:endParaRPr lang="en-US"/>
-          </a:p>
-        </p:txBody>
-      </p:sp>
-      <p:sp>
-        <p:nvSpPr>
-          <p:cNvPr id="22" name="TextBox 21">
-            <a:extLst>
-              <a:ext uri="{FF2B5EF4-FFF2-40B4-BE49-F238E27FC236}">
-                <a16:creationId xmlns:a16="http://schemas.microsoft.com/office/drawing/2014/main" id="{9C69C4A7-96B1-41C2-9178-BC498D8C6239}"/>
-              </a:ext>
-            </a:extLst>
-          </p:cNvPr>
-          <p:cNvSpPr txBox="1"/>
-          <p:nvPr/>
-        </p:nvSpPr>
-        <p:spPr>
-          <a:xfrm>
-            <a:off x="28903523" y="5644661"/>
-            <a:ext cx="5565934" cy="1569660"/>
-          </a:xfrm>
-          <a:prstGeom prst="rect">
-            <a:avLst/>
-          </a:prstGeom>
-          <a:noFill/>
-        </p:spPr>
-        <p:txBody>
-          <a:bodyPr wrap="square" rtlCol="0">
-            <a:spAutoFit/>
-          </a:bodyPr>
-          <a:lstStyle/>
-          <a:p>
-            <a:r>
-              <a:rPr lang="en-US" sz="9600" dirty="0">
-                <a:solidFill>
-                  <a:schemeClr val="bg1"/>
-                </a:solidFill>
-              </a:rPr>
-              <a:t>Discussion</a:t>
-            </a:r>
-          </a:p>
-        </p:txBody>
-      </p:sp>
-      <p:sp>
-        <p:nvSpPr>
-          <p:cNvPr id="23" name="TextBox 22">
-            <a:extLst>
-              <a:ext uri="{FF2B5EF4-FFF2-40B4-BE49-F238E27FC236}">
-                <a16:creationId xmlns:a16="http://schemas.microsoft.com/office/drawing/2014/main" id="{410133BA-9EE6-4011-BAA4-C9966200DE5E}"/>
-              </a:ext>
-            </a:extLst>
-          </p:cNvPr>
-          <p:cNvSpPr txBox="1"/>
-          <p:nvPr/>
-        </p:nvSpPr>
-        <p:spPr>
-          <a:xfrm>
-            <a:off x="647757" y="7322706"/>
-            <a:ext cx="10207876" cy="13803779"/>
-          </a:xfrm>
-          <a:prstGeom prst="rect">
-            <a:avLst/>
-          </a:prstGeom>
-          <a:noFill/>
-        </p:spPr>
-        <p:txBody>
-          <a:bodyPr wrap="square" rtlCol="0">
-            <a:spAutoFit/>
-          </a:bodyPr>
-          <a:lstStyle/>
-          <a:p>
-            <a:r>
-              <a:rPr lang="en-US" sz="3300" dirty="0"/>
-              <a:t>The way in which the brain efficiently encodes images is integral to the field of Computational Neuroscience. Through millennia of evolution, the brain has become predisposed to rapidly respond to natural images. A natural image is an image of an object that has been consistently present throughout the evolution of humans (i.e. trees, rocks, water, animals, etc.). In this experiment, natural images are taken and fed through an algorithm akin to the one that the brain employs. This algorithm, Independent Component Analysis (ICA), breaks these natural images into separate, easier to compose parts. ICA is used for all image processing in exactly the same manner, whether that be viewing greyscale images, color images, or even video. Using ICA, our program created 8x8 pixel "fields" of individual neurons being activated, displaying what part of a neuron responds to the natural image, and with what intensity. The filters that were generated for grayscale images map us a cohesive picture of neural reaction. The filters for color images show that levels of light  primary stimuli while color is secondary stimuli, as most receptive patches were still entirely in black and white. By becoming acquainted with how the brain encodes images, the field of Computational Neuroscience can be understood more thoroughly which allows for more in depth topics to be delved into in the future. This process can help further the understanding of how the brain interprets images at a primary level.</a:t>
             </a:r>
           </a:p>
         </p:txBody>

--- a/Research Poster.pptx
+++ b/Research Poster.pptx
@@ -4,6 +4,9 @@
   <p:sldMasterIdLst>
     <p:sldMasterId id="2147483684" r:id="rId1"/>
   </p:sldMasterIdLst>
+  <p:notesMasterIdLst>
+    <p:notesMasterId r:id="rId3"/>
+  </p:notesMasterIdLst>
   <p:sldIdLst>
     <p:sldId id="256" r:id="rId2"/>
   </p:sldIdLst>
@@ -112,6 +115,439 @@
 </p:presentation>
 </file>
 
+<file path=ppt/notesMasters/notesMaster1.xml><?xml version="1.0" encoding="utf-8"?>
+<p:notesMaster xmlns:a="http://schemas.openxmlformats.org/drawingml/2006/main" xmlns:r="http://schemas.openxmlformats.org/officeDocument/2006/relationships" xmlns:p="http://schemas.openxmlformats.org/presentationml/2006/main">
+  <p:cSld>
+    <p:bg>
+      <p:bgRef idx="1001">
+        <a:schemeClr val="bg1"/>
+      </p:bgRef>
+    </p:bg>
+    <p:spTree>
+      <p:nvGrpSpPr>
+        <p:cNvPr id="1" name=""/>
+        <p:cNvGrpSpPr/>
+        <p:nvPr/>
+      </p:nvGrpSpPr>
+      <p:grpSpPr>
+        <a:xfrm>
+          <a:off x="0" y="0"/>
+          <a:ext cx="0" cy="0"/>
+          <a:chOff x="0" y="0"/>
+          <a:chExt cx="0" cy="0"/>
+        </a:xfrm>
+      </p:grpSpPr>
+      <p:sp>
+        <p:nvSpPr>
+          <p:cNvPr id="2" name="Header Placeholder 1"/>
+          <p:cNvSpPr>
+            <a:spLocks noGrp="1"/>
+          </p:cNvSpPr>
+          <p:nvPr>
+            <p:ph type="hdr" sz="quarter"/>
+          </p:nvPr>
+        </p:nvSpPr>
+        <p:spPr>
+          <a:xfrm>
+            <a:off x="0" y="0"/>
+            <a:ext cx="2971800" cy="458788"/>
+          </a:xfrm>
+          <a:prstGeom prst="rect">
+            <a:avLst/>
+          </a:prstGeom>
+        </p:spPr>
+        <p:txBody>
+          <a:bodyPr vert="horz" lIns="91440" tIns="45720" rIns="91440" bIns="45720" rtlCol="0"/>
+          <a:lstStyle>
+            <a:lvl1pPr algn="l">
+              <a:defRPr sz="1200"/>
+            </a:lvl1pPr>
+          </a:lstStyle>
+          <a:p>
+            <a:endParaRPr lang="en-US"/>
+          </a:p>
+        </p:txBody>
+      </p:sp>
+      <p:sp>
+        <p:nvSpPr>
+          <p:cNvPr id="3" name="Date Placeholder 2"/>
+          <p:cNvSpPr>
+            <a:spLocks noGrp="1"/>
+          </p:cNvSpPr>
+          <p:nvPr>
+            <p:ph type="dt" idx="1"/>
+          </p:nvPr>
+        </p:nvSpPr>
+        <p:spPr>
+          <a:xfrm>
+            <a:off x="3884613" y="0"/>
+            <a:ext cx="2971800" cy="458788"/>
+          </a:xfrm>
+          <a:prstGeom prst="rect">
+            <a:avLst/>
+          </a:prstGeom>
+        </p:spPr>
+        <p:txBody>
+          <a:bodyPr vert="horz" lIns="91440" tIns="45720" rIns="91440" bIns="45720" rtlCol="0"/>
+          <a:lstStyle>
+            <a:lvl1pPr algn="r">
+              <a:defRPr sz="1200"/>
+            </a:lvl1pPr>
+          </a:lstStyle>
+          <a:p>
+            <a:fld id="{A1D5F2CF-727E-4FCC-895E-351F26274AC3}" type="datetimeFigureOut">
+              <a:rPr lang="en-US" smtClean="0"/>
+              <a:t>5/29/2018</a:t>
+            </a:fld>
+            <a:endParaRPr lang="en-US"/>
+          </a:p>
+        </p:txBody>
+      </p:sp>
+      <p:sp>
+        <p:nvSpPr>
+          <p:cNvPr id="4" name="Slide Image Placeholder 3"/>
+          <p:cNvSpPr>
+            <a:spLocks noGrp="1" noRot="1" noChangeAspect="1"/>
+          </p:cNvSpPr>
+          <p:nvPr>
+            <p:ph type="sldImg" idx="2"/>
+          </p:nvPr>
+        </p:nvSpPr>
+        <p:spPr>
+          <a:xfrm>
+            <a:off x="1268413" y="1143000"/>
+            <a:ext cx="4321175" cy="3086100"/>
+          </a:xfrm>
+          <a:prstGeom prst="rect">
+            <a:avLst/>
+          </a:prstGeom>
+          <a:noFill/>
+          <a:ln w="12700">
+            <a:solidFill>
+              <a:prstClr val="black"/>
+            </a:solidFill>
+          </a:ln>
+        </p:spPr>
+        <p:txBody>
+          <a:bodyPr vert="horz" lIns="91440" tIns="45720" rIns="91440" bIns="45720" rtlCol="0" anchor="ctr"/>
+          <a:lstStyle/>
+          <a:p>
+            <a:endParaRPr lang="en-US"/>
+          </a:p>
+        </p:txBody>
+      </p:sp>
+      <p:sp>
+        <p:nvSpPr>
+          <p:cNvPr id="5" name="Notes Placeholder 4"/>
+          <p:cNvSpPr>
+            <a:spLocks noGrp="1"/>
+          </p:cNvSpPr>
+          <p:nvPr>
+            <p:ph type="body" sz="quarter" idx="3"/>
+          </p:nvPr>
+        </p:nvSpPr>
+        <p:spPr>
+          <a:xfrm>
+            <a:off x="685800" y="4400550"/>
+            <a:ext cx="5486400" cy="3600450"/>
+          </a:xfrm>
+          <a:prstGeom prst="rect">
+            <a:avLst/>
+          </a:prstGeom>
+        </p:spPr>
+        <p:txBody>
+          <a:bodyPr vert="horz" lIns="91440" tIns="45720" rIns="91440" bIns="45720" rtlCol="0"/>
+          <a:lstStyle/>
+          <a:p>
+            <a:pPr lvl="0"/>
+            <a:r>
+              <a:rPr lang="en-US"/>
+              <a:t>Edit Master text styles</a:t>
+            </a:r>
+          </a:p>
+          <a:p>
+            <a:pPr lvl="1"/>
+            <a:r>
+              <a:rPr lang="en-US"/>
+              <a:t>Second level</a:t>
+            </a:r>
+          </a:p>
+          <a:p>
+            <a:pPr lvl="2"/>
+            <a:r>
+              <a:rPr lang="en-US"/>
+              <a:t>Third level</a:t>
+            </a:r>
+          </a:p>
+          <a:p>
+            <a:pPr lvl="3"/>
+            <a:r>
+              <a:rPr lang="en-US"/>
+              <a:t>Fourth level</a:t>
+            </a:r>
+          </a:p>
+          <a:p>
+            <a:pPr lvl="4"/>
+            <a:r>
+              <a:rPr lang="en-US"/>
+              <a:t>Fifth level</a:t>
+            </a:r>
+          </a:p>
+        </p:txBody>
+      </p:sp>
+      <p:sp>
+        <p:nvSpPr>
+          <p:cNvPr id="6" name="Footer Placeholder 5"/>
+          <p:cNvSpPr>
+            <a:spLocks noGrp="1"/>
+          </p:cNvSpPr>
+          <p:nvPr>
+            <p:ph type="ftr" sz="quarter" idx="4"/>
+          </p:nvPr>
+        </p:nvSpPr>
+        <p:spPr>
+          <a:xfrm>
+            <a:off x="0" y="8685213"/>
+            <a:ext cx="2971800" cy="458787"/>
+          </a:xfrm>
+          <a:prstGeom prst="rect">
+            <a:avLst/>
+          </a:prstGeom>
+        </p:spPr>
+        <p:txBody>
+          <a:bodyPr vert="horz" lIns="91440" tIns="45720" rIns="91440" bIns="45720" rtlCol="0" anchor="b"/>
+          <a:lstStyle>
+            <a:lvl1pPr algn="l">
+              <a:defRPr sz="1200"/>
+            </a:lvl1pPr>
+          </a:lstStyle>
+          <a:p>
+            <a:endParaRPr lang="en-US"/>
+          </a:p>
+        </p:txBody>
+      </p:sp>
+      <p:sp>
+        <p:nvSpPr>
+          <p:cNvPr id="7" name="Slide Number Placeholder 6"/>
+          <p:cNvSpPr>
+            <a:spLocks noGrp="1"/>
+          </p:cNvSpPr>
+          <p:nvPr>
+            <p:ph type="sldNum" sz="quarter" idx="5"/>
+          </p:nvPr>
+        </p:nvSpPr>
+        <p:spPr>
+          <a:xfrm>
+            <a:off x="3884613" y="8685213"/>
+            <a:ext cx="2971800" cy="458787"/>
+          </a:xfrm>
+          <a:prstGeom prst="rect">
+            <a:avLst/>
+          </a:prstGeom>
+        </p:spPr>
+        <p:txBody>
+          <a:bodyPr vert="horz" lIns="91440" tIns="45720" rIns="91440" bIns="45720" rtlCol="0" anchor="b"/>
+          <a:lstStyle>
+            <a:lvl1pPr algn="r">
+              <a:defRPr sz="1200"/>
+            </a:lvl1pPr>
+          </a:lstStyle>
+          <a:p>
+            <a:fld id="{57400E3D-7595-4A17-A065-AE454BF51A52}" type="slidenum">
+              <a:rPr lang="en-US" smtClean="0"/>
+              <a:t>‹#›</a:t>
+            </a:fld>
+            <a:endParaRPr lang="en-US"/>
+          </a:p>
+        </p:txBody>
+      </p:sp>
+    </p:spTree>
+    <p:extLst>
+      <p:ext uri="{BB962C8B-B14F-4D97-AF65-F5344CB8AC3E}">
+        <p14:creationId xmlns:p14="http://schemas.microsoft.com/office/powerpoint/2010/main" val="1102074190"/>
+      </p:ext>
+    </p:extLst>
+  </p:cSld>
+  <p:clrMap bg1="lt1" tx1="dk1" bg2="lt2" tx2="dk2" accent1="accent1" accent2="accent2" accent3="accent3" accent4="accent4" accent5="accent5" accent6="accent6" hlink="hlink" folHlink="folHlink"/>
+  <p:notesStyle>
+    <a:lvl1pPr marL="0" algn="l" defTabSz="914400" rtl="0" eaLnBrk="1" latinLnBrk="0" hangingPunct="1">
+      <a:defRPr sz="1200" kern="1200">
+        <a:solidFill>
+          <a:schemeClr val="tx1"/>
+        </a:solidFill>
+        <a:latin typeface="+mn-lt"/>
+        <a:ea typeface="+mn-ea"/>
+        <a:cs typeface="+mn-cs"/>
+      </a:defRPr>
+    </a:lvl1pPr>
+    <a:lvl2pPr marL="457200" algn="l" defTabSz="914400" rtl="0" eaLnBrk="1" latinLnBrk="0" hangingPunct="1">
+      <a:defRPr sz="1200" kern="1200">
+        <a:solidFill>
+          <a:schemeClr val="tx1"/>
+        </a:solidFill>
+        <a:latin typeface="+mn-lt"/>
+        <a:ea typeface="+mn-ea"/>
+        <a:cs typeface="+mn-cs"/>
+      </a:defRPr>
+    </a:lvl2pPr>
+    <a:lvl3pPr marL="914400" algn="l" defTabSz="914400" rtl="0" eaLnBrk="1" latinLnBrk="0" hangingPunct="1">
+      <a:defRPr sz="1200" kern="1200">
+        <a:solidFill>
+          <a:schemeClr val="tx1"/>
+        </a:solidFill>
+        <a:latin typeface="+mn-lt"/>
+        <a:ea typeface="+mn-ea"/>
+        <a:cs typeface="+mn-cs"/>
+      </a:defRPr>
+    </a:lvl3pPr>
+    <a:lvl4pPr marL="1371600" algn="l" defTabSz="914400" rtl="0" eaLnBrk="1" latinLnBrk="0" hangingPunct="1">
+      <a:defRPr sz="1200" kern="1200">
+        <a:solidFill>
+          <a:schemeClr val="tx1"/>
+        </a:solidFill>
+        <a:latin typeface="+mn-lt"/>
+        <a:ea typeface="+mn-ea"/>
+        <a:cs typeface="+mn-cs"/>
+      </a:defRPr>
+    </a:lvl4pPr>
+    <a:lvl5pPr marL="1828800" algn="l" defTabSz="914400" rtl="0" eaLnBrk="1" latinLnBrk="0" hangingPunct="1">
+      <a:defRPr sz="1200" kern="1200">
+        <a:solidFill>
+          <a:schemeClr val="tx1"/>
+        </a:solidFill>
+        <a:latin typeface="+mn-lt"/>
+        <a:ea typeface="+mn-ea"/>
+        <a:cs typeface="+mn-cs"/>
+      </a:defRPr>
+    </a:lvl5pPr>
+    <a:lvl6pPr marL="2286000" algn="l" defTabSz="914400" rtl="0" eaLnBrk="1" latinLnBrk="0" hangingPunct="1">
+      <a:defRPr sz="1200" kern="1200">
+        <a:solidFill>
+          <a:schemeClr val="tx1"/>
+        </a:solidFill>
+        <a:latin typeface="+mn-lt"/>
+        <a:ea typeface="+mn-ea"/>
+        <a:cs typeface="+mn-cs"/>
+      </a:defRPr>
+    </a:lvl6pPr>
+    <a:lvl7pPr marL="2743200" algn="l" defTabSz="914400" rtl="0" eaLnBrk="1" latinLnBrk="0" hangingPunct="1">
+      <a:defRPr sz="1200" kern="1200">
+        <a:solidFill>
+          <a:schemeClr val="tx1"/>
+        </a:solidFill>
+        <a:latin typeface="+mn-lt"/>
+        <a:ea typeface="+mn-ea"/>
+        <a:cs typeface="+mn-cs"/>
+      </a:defRPr>
+    </a:lvl7pPr>
+    <a:lvl8pPr marL="3200400" algn="l" defTabSz="914400" rtl="0" eaLnBrk="1" latinLnBrk="0" hangingPunct="1">
+      <a:defRPr sz="1200" kern="1200">
+        <a:solidFill>
+          <a:schemeClr val="tx1"/>
+        </a:solidFill>
+        <a:latin typeface="+mn-lt"/>
+        <a:ea typeface="+mn-ea"/>
+        <a:cs typeface="+mn-cs"/>
+      </a:defRPr>
+    </a:lvl8pPr>
+    <a:lvl9pPr marL="3657600" algn="l" defTabSz="914400" rtl="0" eaLnBrk="1" latinLnBrk="0" hangingPunct="1">
+      <a:defRPr sz="1200" kern="1200">
+        <a:solidFill>
+          <a:schemeClr val="tx1"/>
+        </a:solidFill>
+        <a:latin typeface="+mn-lt"/>
+        <a:ea typeface="+mn-ea"/>
+        <a:cs typeface="+mn-cs"/>
+      </a:defRPr>
+    </a:lvl9pPr>
+  </p:notesStyle>
+</p:notesMaster>
+</file>
+
+<file path=ppt/notesSlides/notesSlide1.xml><?xml version="1.0" encoding="utf-8"?>
+<p:notes xmlns:a="http://schemas.openxmlformats.org/drawingml/2006/main" xmlns:r="http://schemas.openxmlformats.org/officeDocument/2006/relationships" xmlns:p="http://schemas.openxmlformats.org/presentationml/2006/main">
+  <p:cSld>
+    <p:spTree>
+      <p:nvGrpSpPr>
+        <p:cNvPr id="1" name=""/>
+        <p:cNvGrpSpPr/>
+        <p:nvPr/>
+      </p:nvGrpSpPr>
+      <p:grpSpPr>
+        <a:xfrm>
+          <a:off x="0" y="0"/>
+          <a:ext cx="0" cy="0"/>
+          <a:chOff x="0" y="0"/>
+          <a:chExt cx="0" cy="0"/>
+        </a:xfrm>
+      </p:grpSpPr>
+      <p:sp>
+        <p:nvSpPr>
+          <p:cNvPr id="2" name="Slide Image Placeholder 1"/>
+          <p:cNvSpPr>
+            <a:spLocks noGrp="1" noRot="1" noChangeAspect="1"/>
+          </p:cNvSpPr>
+          <p:nvPr>
+            <p:ph type="sldImg"/>
+          </p:nvPr>
+        </p:nvSpPr>
+        <p:spPr/>
+      </p:sp>
+      <p:sp>
+        <p:nvSpPr>
+          <p:cNvPr id="3" name="Notes Placeholder 2"/>
+          <p:cNvSpPr>
+            <a:spLocks noGrp="1"/>
+          </p:cNvSpPr>
+          <p:nvPr>
+            <p:ph type="body" idx="1"/>
+          </p:nvPr>
+        </p:nvSpPr>
+        <p:spPr/>
+        <p:txBody>
+          <a:bodyPr/>
+          <a:lstStyle/>
+          <a:p>
+            <a:endParaRPr lang="en-US" dirty="0"/>
+          </a:p>
+        </p:txBody>
+      </p:sp>
+      <p:sp>
+        <p:nvSpPr>
+          <p:cNvPr id="4" name="Slide Number Placeholder 3"/>
+          <p:cNvSpPr>
+            <a:spLocks noGrp="1"/>
+          </p:cNvSpPr>
+          <p:nvPr>
+            <p:ph type="sldNum" sz="quarter" idx="10"/>
+          </p:nvPr>
+        </p:nvSpPr>
+        <p:spPr/>
+        <p:txBody>
+          <a:bodyPr/>
+          <a:lstStyle/>
+          <a:p>
+            <a:fld id="{57400E3D-7595-4A17-A065-AE454BF51A52}" type="slidenum">
+              <a:rPr lang="en-US" smtClean="0"/>
+              <a:t>1</a:t>
+            </a:fld>
+            <a:endParaRPr lang="en-US"/>
+          </a:p>
+        </p:txBody>
+      </p:sp>
+    </p:spTree>
+    <p:extLst>
+      <p:ext uri="{BB962C8B-B14F-4D97-AF65-F5344CB8AC3E}">
+        <p14:creationId xmlns:p14="http://schemas.microsoft.com/office/powerpoint/2010/main" val="500411431"/>
+      </p:ext>
+    </p:extLst>
+  </p:cSld>
+  <p:clrMapOvr>
+    <a:masterClrMapping/>
+  </p:clrMapOvr>
+</p:notes>
+</file>
+
 <file path=ppt/slideLayouts/slideLayout1.xml><?xml version="1.0" encoding="utf-8"?>
 <p:sldLayout xmlns:a="http://schemas.openxmlformats.org/drawingml/2006/main" xmlns:r="http://schemas.openxmlformats.org/officeDocument/2006/relationships" xmlns:p="http://schemas.openxmlformats.org/presentationml/2006/main" type="title" preserve="1">
   <p:cSld name="Title Slide">
@@ -243,7 +679,7 @@
           <a:p>
             <a:fld id="{9C022F2F-1DFB-4495-9929-91AA1C47FA66}" type="datetimeFigureOut">
               <a:rPr lang="en-US" smtClean="0"/>
-              <a:t>5/24/2018</a:t>
+              <a:t>5/29/2018</a:t>
             </a:fld>
             <a:endParaRPr lang="en-US"/>
           </a:p>
@@ -413,7 +849,7 @@
           <a:p>
             <a:fld id="{9C022F2F-1DFB-4495-9929-91AA1C47FA66}" type="datetimeFigureOut">
               <a:rPr lang="en-US" smtClean="0"/>
-              <a:t>5/24/2018</a:t>
+              <a:t>5/29/2018</a:t>
             </a:fld>
             <a:endParaRPr lang="en-US"/>
           </a:p>
@@ -593,7 +1029,7 @@
           <a:p>
             <a:fld id="{9C022F2F-1DFB-4495-9929-91AA1C47FA66}" type="datetimeFigureOut">
               <a:rPr lang="en-US" smtClean="0"/>
-              <a:t>5/24/2018</a:t>
+              <a:t>5/29/2018</a:t>
             </a:fld>
             <a:endParaRPr lang="en-US"/>
           </a:p>
@@ -763,7 +1199,7 @@
           <a:p>
             <a:fld id="{9C022F2F-1DFB-4495-9929-91AA1C47FA66}" type="datetimeFigureOut">
               <a:rPr lang="en-US" smtClean="0"/>
-              <a:t>5/24/2018</a:t>
+              <a:t>5/29/2018</a:t>
             </a:fld>
             <a:endParaRPr lang="en-US"/>
           </a:p>
@@ -1007,7 +1443,7 @@
           <a:p>
             <a:fld id="{9C022F2F-1DFB-4495-9929-91AA1C47FA66}" type="datetimeFigureOut">
               <a:rPr lang="en-US" smtClean="0"/>
-              <a:t>5/24/2018</a:t>
+              <a:t>5/29/2018</a:t>
             </a:fld>
             <a:endParaRPr lang="en-US"/>
           </a:p>
@@ -1239,7 +1675,7 @@
           <a:p>
             <a:fld id="{9C022F2F-1DFB-4495-9929-91AA1C47FA66}" type="datetimeFigureOut">
               <a:rPr lang="en-US" smtClean="0"/>
-              <a:t>5/24/2018</a:t>
+              <a:t>5/29/2018</a:t>
             </a:fld>
             <a:endParaRPr lang="en-US"/>
           </a:p>
@@ -1606,7 +2042,7 @@
           <a:p>
             <a:fld id="{9C022F2F-1DFB-4495-9929-91AA1C47FA66}" type="datetimeFigureOut">
               <a:rPr lang="en-US" smtClean="0"/>
-              <a:t>5/24/2018</a:t>
+              <a:t>5/29/2018</a:t>
             </a:fld>
             <a:endParaRPr lang="en-US"/>
           </a:p>
@@ -1724,7 +2160,7 @@
           <a:p>
             <a:fld id="{9C022F2F-1DFB-4495-9929-91AA1C47FA66}" type="datetimeFigureOut">
               <a:rPr lang="en-US" smtClean="0"/>
-              <a:t>5/24/2018</a:t>
+              <a:t>5/29/2018</a:t>
             </a:fld>
             <a:endParaRPr lang="en-US"/>
           </a:p>
@@ -1819,7 +2255,7 @@
           <a:p>
             <a:fld id="{9C022F2F-1DFB-4495-9929-91AA1C47FA66}" type="datetimeFigureOut">
               <a:rPr lang="en-US" smtClean="0"/>
-              <a:t>5/24/2018</a:t>
+              <a:t>5/29/2018</a:t>
             </a:fld>
             <a:endParaRPr lang="en-US"/>
           </a:p>
@@ -2096,7 +2532,7 @@
           <a:p>
             <a:fld id="{9C022F2F-1DFB-4495-9929-91AA1C47FA66}" type="datetimeFigureOut">
               <a:rPr lang="en-US" smtClean="0"/>
-              <a:t>5/24/2018</a:t>
+              <a:t>5/29/2018</a:t>
             </a:fld>
             <a:endParaRPr lang="en-US"/>
           </a:p>
@@ -2353,7 +2789,7 @@
           <a:p>
             <a:fld id="{9C022F2F-1DFB-4495-9929-91AA1C47FA66}" type="datetimeFigureOut">
               <a:rPr lang="en-US" smtClean="0"/>
-              <a:t>5/24/2018</a:t>
+              <a:t>5/29/2018</a:t>
             </a:fld>
             <a:endParaRPr lang="en-US"/>
           </a:p>
@@ -2566,7 +3002,7 @@
           <a:p>
             <a:fld id="{9C022F2F-1DFB-4495-9929-91AA1C47FA66}" type="datetimeFigureOut">
               <a:rPr lang="en-US" smtClean="0"/>
-              <a:t>5/24/2018</a:t>
+              <a:t>5/29/2018</a:t>
             </a:fld>
             <a:endParaRPr lang="en-US"/>
           </a:p>
@@ -2971,6 +3407,41 @@
           <a:chExt cx="0" cy="0"/>
         </a:xfrm>
       </p:grpSpPr>
+      <p:pic>
+        <p:nvPicPr>
+          <p:cNvPr id="18" name="Picture 17">
+            <a:extLst>
+              <a:ext uri="{FF2B5EF4-FFF2-40B4-BE49-F238E27FC236}">
+                <a16:creationId xmlns:a16="http://schemas.microsoft.com/office/drawing/2014/main" id="{19180EC1-EFD4-4945-A552-2D06BE05FFC5}"/>
+              </a:ext>
+            </a:extLst>
+          </p:cNvPr>
+          <p:cNvPicPr>
+            <a:picLocks noChangeAspect="1"/>
+          </p:cNvPicPr>
+          <p:nvPr/>
+        </p:nvPicPr>
+        <p:blipFill rotWithShape="1">
+          <a:blip r:embed="rId3">
+            <a:extLst>
+              <a:ext uri="{28A0092B-C50C-407E-A947-70E740481C1C}">
+                <a14:useLocalDpi xmlns:a14="http://schemas.microsoft.com/office/drawing/2010/main" val="0"/>
+              </a:ext>
+            </a:extLst>
+          </a:blip>
+          <a:srcRect t="20036" b="11679"/>
+          <a:stretch/>
+        </p:blipFill>
+        <p:spPr>
+          <a:xfrm>
+            <a:off x="27310313" y="7558554"/>
+            <a:ext cx="8262615" cy="11284193"/>
+          </a:xfrm>
+          <a:prstGeom prst="rect">
+            <a:avLst/>
+          </a:prstGeom>
+        </p:spPr>
+      </p:pic>
       <p:sp>
         <p:nvSpPr>
           <p:cNvPr id="3" name="Rectangle 2">
@@ -2985,8 +3456,8 @@
         </p:nvSpPr>
         <p:spPr>
           <a:xfrm>
-            <a:off x="0" y="0"/>
-            <a:ext cx="38404800" cy="6376737"/>
+            <a:off x="0" y="-1271366"/>
+            <a:ext cx="38404800" cy="5487847"/>
           </a:xfrm>
           <a:prstGeom prst="rect">
             <a:avLst/>
@@ -3034,7 +3505,7 @@
         </p:nvSpPr>
         <p:spPr>
           <a:xfrm>
-            <a:off x="7350986" y="541420"/>
+            <a:off x="7128763" y="-762340"/>
             <a:ext cx="29574237" cy="3631763"/>
           </a:xfrm>
           <a:prstGeom prst="rect">
@@ -3074,7 +3545,7 @@
         </p:nvSpPr>
         <p:spPr>
           <a:xfrm>
-            <a:off x="12053177" y="4714603"/>
+            <a:off x="11944310" y="2907654"/>
             <a:ext cx="19351708" cy="1015663"/>
           </a:xfrm>
           <a:prstGeom prst="rect">
@@ -3113,8 +3584,8 @@
         </p:nvSpPr>
         <p:spPr>
           <a:xfrm>
-            <a:off x="1081066" y="541420"/>
-            <a:ext cx="4790344" cy="5293895"/>
+            <a:off x="1947414" y="-942856"/>
+            <a:ext cx="4215428" cy="4743830"/>
           </a:xfrm>
           <a:prstGeom prst="rect">
             <a:avLst/>
@@ -3168,7 +3639,7 @@
           <p:nvPr/>
         </p:nvPicPr>
         <p:blipFill rotWithShape="1">
-          <a:blip r:embed="rId2">
+          <a:blip r:embed="rId4">
             <a:extLst>
               <a:ext uri="{28A0092B-C50C-407E-A947-70E740481C1C}">
                 <a14:useLocalDpi xmlns:a14="http://schemas.microsoft.com/office/drawing/2010/main" val="0"/>
@@ -3180,7 +3651,7 @@
         </p:blipFill>
         <p:spPr bwMode="auto">
           <a:xfrm>
-            <a:off x="1917993" y="995761"/>
+            <a:off x="2501755" y="-778871"/>
             <a:ext cx="3152275" cy="4531393"/>
           </a:xfrm>
           <a:prstGeom prst="rect">
@@ -3212,7 +3683,7 @@
         </p:nvSpPr>
         <p:spPr>
           <a:xfrm>
-            <a:off x="1724600" y="6831078"/>
+            <a:off x="2169433" y="4753582"/>
             <a:ext cx="6691334" cy="1852863"/>
           </a:xfrm>
           <a:prstGeom prst="rect">
@@ -3221,6 +3692,11 @@
           <a:solidFill>
             <a:srgbClr val="0096A0"/>
           </a:solidFill>
+          <a:ln>
+            <a:solidFill>
+              <a:srgbClr val="FF0000"/>
+            </a:solidFill>
+          </a:ln>
         </p:spPr>
         <p:style>
           <a:lnRef idx="2">
@@ -3261,7 +3737,7 @@
         </p:nvSpPr>
         <p:spPr>
           <a:xfrm>
-            <a:off x="2278940" y="6972679"/>
+            <a:off x="2501755" y="4812002"/>
             <a:ext cx="5582653" cy="1569660"/>
           </a:xfrm>
           <a:prstGeom prst="rect">
@@ -3290,6 +3766,1146 @@
           </a:p>
         </p:txBody>
       </p:sp>
+      <p:pic>
+        <p:nvPicPr>
+          <p:cNvPr id="13" name="Picture 12">
+            <a:extLst>
+              <a:ext uri="{FF2B5EF4-FFF2-40B4-BE49-F238E27FC236}">
+                <a16:creationId xmlns:a16="http://schemas.microsoft.com/office/drawing/2014/main" id="{080271C0-A2E6-40F7-92E3-47EF079640A2}"/>
+              </a:ext>
+            </a:extLst>
+          </p:cNvPr>
+          <p:cNvPicPr>
+            <a:picLocks noChangeAspect="1"/>
+          </p:cNvPicPr>
+          <p:nvPr/>
+        </p:nvPicPr>
+        <p:blipFill rotWithShape="1">
+          <a:blip r:embed="rId5">
+            <a:extLst>
+              <a:ext uri="{28A0092B-C50C-407E-A947-70E740481C1C}">
+                <a14:useLocalDpi xmlns:a14="http://schemas.microsoft.com/office/drawing/2010/main" val="0"/>
+              </a:ext>
+            </a:extLst>
+          </a:blip>
+          <a:srcRect t="11717" b="13840"/>
+          <a:stretch/>
+        </p:blipFill>
+        <p:spPr>
+          <a:xfrm>
+            <a:off x="1223673" y="18842746"/>
+            <a:ext cx="9045723" cy="3777251"/>
+          </a:xfrm>
+          <a:prstGeom prst="rect">
+            <a:avLst/>
+          </a:prstGeom>
+        </p:spPr>
+      </p:pic>
+      <p:pic>
+        <p:nvPicPr>
+          <p:cNvPr id="17" name="Picture 16">
+            <a:extLst>
+              <a:ext uri="{FF2B5EF4-FFF2-40B4-BE49-F238E27FC236}">
+                <a16:creationId xmlns:a16="http://schemas.microsoft.com/office/drawing/2014/main" id="{E3CC9291-64A5-4F1F-AC93-630534973698}"/>
+              </a:ext>
+            </a:extLst>
+          </p:cNvPr>
+          <p:cNvPicPr>
+            <a:picLocks noChangeAspect="1"/>
+          </p:cNvPicPr>
+          <p:nvPr/>
+        </p:nvPicPr>
+        <p:blipFill>
+          <a:blip r:embed="rId6">
+            <a:extLst>
+              <a:ext uri="{28A0092B-C50C-407E-A947-70E740481C1C}">
+                <a14:useLocalDpi xmlns:a14="http://schemas.microsoft.com/office/drawing/2010/main" val="0"/>
+              </a:ext>
+            </a:extLst>
+          </a:blip>
+          <a:stretch>
+            <a:fillRect/>
+          </a:stretch>
+        </p:blipFill>
+        <p:spPr>
+          <a:xfrm>
+            <a:off x="12548233" y="21062986"/>
+            <a:ext cx="10115482" cy="5496508"/>
+          </a:xfrm>
+          <a:prstGeom prst="rect">
+            <a:avLst/>
+          </a:prstGeom>
+        </p:spPr>
+      </p:pic>
+      <p:sp>
+        <p:nvSpPr>
+          <p:cNvPr id="19" name="Rectangle 18">
+            <a:extLst>
+              <a:ext uri="{FF2B5EF4-FFF2-40B4-BE49-F238E27FC236}">
+                <a16:creationId xmlns:a16="http://schemas.microsoft.com/office/drawing/2014/main" id="{84F4B702-6846-48DC-AB8F-8479FFDE2757}"/>
+              </a:ext>
+            </a:extLst>
+          </p:cNvPr>
+          <p:cNvSpPr/>
+          <p:nvPr/>
+        </p:nvSpPr>
+        <p:spPr>
+          <a:xfrm>
+            <a:off x="12868875" y="4756873"/>
+            <a:ext cx="9474200" cy="1849572"/>
+          </a:xfrm>
+          <a:prstGeom prst="rect">
+            <a:avLst/>
+          </a:prstGeom>
+          <a:solidFill>
+            <a:srgbClr val="0096A0"/>
+          </a:solidFill>
+          <a:ln>
+            <a:solidFill>
+              <a:srgbClr val="FF0000"/>
+            </a:solidFill>
+          </a:ln>
+        </p:spPr>
+        <p:style>
+          <a:lnRef idx="2">
+            <a:schemeClr val="accent1">
+              <a:shade val="50000"/>
+            </a:schemeClr>
+          </a:lnRef>
+          <a:fillRef idx="1">
+            <a:schemeClr val="accent1"/>
+          </a:fillRef>
+          <a:effectRef idx="0">
+            <a:schemeClr val="accent1"/>
+          </a:effectRef>
+          <a:fontRef idx="minor">
+            <a:schemeClr val="lt1"/>
+          </a:fontRef>
+        </p:style>
+        <p:txBody>
+          <a:bodyPr rtlCol="0" anchor="ctr"/>
+          <a:lstStyle/>
+          <a:p>
+            <a:pPr algn="ctr"/>
+            <a:endParaRPr lang="en-US"/>
+          </a:p>
+        </p:txBody>
+      </p:sp>
+      <p:sp>
+        <p:nvSpPr>
+          <p:cNvPr id="20" name="TextBox 19">
+            <a:extLst>
+              <a:ext uri="{FF2B5EF4-FFF2-40B4-BE49-F238E27FC236}">
+                <a16:creationId xmlns:a16="http://schemas.microsoft.com/office/drawing/2014/main" id="{D9A814F5-C410-4484-B309-5A72F3020499}"/>
+              </a:ext>
+            </a:extLst>
+          </p:cNvPr>
+          <p:cNvSpPr txBox="1"/>
+          <p:nvPr/>
+        </p:nvSpPr>
+        <p:spPr>
+          <a:xfrm>
+            <a:off x="15368883" y="4812002"/>
+            <a:ext cx="4923693" cy="1569660"/>
+          </a:xfrm>
+          <a:prstGeom prst="rect">
+            <a:avLst/>
+          </a:prstGeom>
+          <a:noFill/>
+        </p:spPr>
+        <p:txBody>
+          <a:bodyPr wrap="square" rtlCol="0">
+            <a:spAutoFit/>
+          </a:bodyPr>
+          <a:lstStyle/>
+          <a:p>
+            <a:r>
+              <a:rPr lang="en-US" sz="9600" dirty="0">
+                <a:solidFill>
+                  <a:schemeClr val="bg1"/>
+                </a:solidFill>
+              </a:rPr>
+              <a:t>Methods</a:t>
+            </a:r>
+          </a:p>
+        </p:txBody>
+      </p:sp>
+      <p:sp>
+        <p:nvSpPr>
+          <p:cNvPr id="21" name="Rectangle 20">
+            <a:extLst>
+              <a:ext uri="{FF2B5EF4-FFF2-40B4-BE49-F238E27FC236}">
+                <a16:creationId xmlns:a16="http://schemas.microsoft.com/office/drawing/2014/main" id="{FB0D1F30-D472-422E-A938-531F668ACAF6}"/>
+              </a:ext>
+            </a:extLst>
+          </p:cNvPr>
+          <p:cNvSpPr/>
+          <p:nvPr/>
+        </p:nvSpPr>
+        <p:spPr>
+          <a:xfrm>
+            <a:off x="25848222" y="4837614"/>
+            <a:ext cx="10854778" cy="1768831"/>
+          </a:xfrm>
+          <a:prstGeom prst="rect">
+            <a:avLst/>
+          </a:prstGeom>
+          <a:solidFill>
+            <a:srgbClr val="0096A0"/>
+          </a:solidFill>
+          <a:ln>
+            <a:solidFill>
+              <a:srgbClr val="FF0000"/>
+            </a:solidFill>
+          </a:ln>
+        </p:spPr>
+        <p:style>
+          <a:lnRef idx="2">
+            <a:schemeClr val="accent1">
+              <a:shade val="50000"/>
+            </a:schemeClr>
+          </a:lnRef>
+          <a:fillRef idx="1">
+            <a:schemeClr val="accent1"/>
+          </a:fillRef>
+          <a:effectRef idx="0">
+            <a:schemeClr val="accent1"/>
+          </a:effectRef>
+          <a:fontRef idx="minor">
+            <a:schemeClr val="lt1"/>
+          </a:fontRef>
+        </p:style>
+        <p:txBody>
+          <a:bodyPr rtlCol="0" anchor="ctr"/>
+          <a:lstStyle/>
+          <a:p>
+            <a:pPr algn="ctr"/>
+            <a:endParaRPr lang="en-US"/>
+          </a:p>
+        </p:txBody>
+      </p:sp>
+      <p:sp>
+        <p:nvSpPr>
+          <p:cNvPr id="22" name="TextBox 21">
+            <a:extLst>
+              <a:ext uri="{FF2B5EF4-FFF2-40B4-BE49-F238E27FC236}">
+                <a16:creationId xmlns:a16="http://schemas.microsoft.com/office/drawing/2014/main" id="{9C69C4A7-96B1-41C2-9178-BC498D8C6239}"/>
+              </a:ext>
+            </a:extLst>
+          </p:cNvPr>
+          <p:cNvSpPr txBox="1"/>
+          <p:nvPr/>
+        </p:nvSpPr>
+        <p:spPr>
+          <a:xfrm>
+            <a:off x="28492644" y="4862063"/>
+            <a:ext cx="5565934" cy="1569660"/>
+          </a:xfrm>
+          <a:prstGeom prst="rect">
+            <a:avLst/>
+          </a:prstGeom>
+          <a:noFill/>
+        </p:spPr>
+        <p:txBody>
+          <a:bodyPr wrap="square" rtlCol="0">
+            <a:spAutoFit/>
+          </a:bodyPr>
+          <a:lstStyle/>
+          <a:p>
+            <a:pPr algn="ctr"/>
+            <a:r>
+              <a:rPr lang="en-US" sz="9600" dirty="0">
+                <a:solidFill>
+                  <a:schemeClr val="bg1"/>
+                </a:solidFill>
+              </a:rPr>
+              <a:t>Results</a:t>
+            </a:r>
+          </a:p>
+        </p:txBody>
+      </p:sp>
+      <p:sp>
+        <p:nvSpPr>
+          <p:cNvPr id="23" name="TextBox 22">
+            <a:extLst>
+              <a:ext uri="{FF2B5EF4-FFF2-40B4-BE49-F238E27FC236}">
+                <a16:creationId xmlns:a16="http://schemas.microsoft.com/office/drawing/2014/main" id="{410133BA-9EE6-4011-BAA4-C9966200DE5E}"/>
+              </a:ext>
+            </a:extLst>
+          </p:cNvPr>
+          <p:cNvSpPr txBox="1"/>
+          <p:nvPr/>
+        </p:nvSpPr>
+        <p:spPr>
+          <a:xfrm>
+            <a:off x="550092" y="7341109"/>
+            <a:ext cx="10207876" cy="7109639"/>
+          </a:xfrm>
+          <a:prstGeom prst="rect">
+            <a:avLst/>
+          </a:prstGeom>
+          <a:noFill/>
+        </p:spPr>
+        <p:txBody>
+          <a:bodyPr wrap="square" rtlCol="0">
+            <a:spAutoFit/>
+          </a:bodyPr>
+          <a:lstStyle/>
+          <a:p>
+            <a:r>
+              <a:rPr lang="en-US" sz="2400" dirty="0"/>
+              <a:t>The way in which the brain efficiently encodes images is integral to the field of Computational Neuroscience. Through millennia of evolution, the brain has become predisposed to rapidly respond to natural images. A natural image is an image of an object that has been consistently present throughout the evolution of humans (i.e. trees, rocks, water, animals, etc.). In this experiment, natural images are taken and fed through an algorithm akin to the one that the brain employs. This algorithm, Independent Component Analysis (ICA), breaks these natural images into separate, easier to compose parts. ICA is used for all image processing in exactly the same manner, whether that be viewing greyscale images, color images, or even video. Using ICA, our program created 8x8 pixel "fields" of individual neurons being activated, displaying what part of a neuron responds to the natural image, and with what intensity. The filters that were generated for grayscale images map us a cohesive picture of neural reaction. The filters for color images show that levels of light  primary stimuli while color is secondary stimuli, as most receptive patches were still entirely in black and white. By becoming acquainted with how the brain encodes images, the field of Computational Neuroscience can be understood more thoroughly which allows for more in depth topics to be delved into in the future. This process can help further the understanding of how the brain interprets images at a primary level.</a:t>
+            </a:r>
+          </a:p>
+        </p:txBody>
+      </p:sp>
+      <p:sp>
+        <p:nvSpPr>
+          <p:cNvPr id="16" name="TextBox 15">
+            <a:extLst>
+              <a:ext uri="{FF2B5EF4-FFF2-40B4-BE49-F238E27FC236}">
+                <a16:creationId xmlns:a16="http://schemas.microsoft.com/office/drawing/2014/main" id="{2716AE9B-3F67-42BB-8847-2A4C362178E7}"/>
+              </a:ext>
+            </a:extLst>
+          </p:cNvPr>
+          <p:cNvSpPr txBox="1"/>
+          <p:nvPr/>
+        </p:nvSpPr>
+        <p:spPr>
+          <a:xfrm>
+            <a:off x="29937041" y="10067752"/>
+            <a:ext cx="3009157" cy="646331"/>
+          </a:xfrm>
+          <a:prstGeom prst="rect">
+            <a:avLst/>
+          </a:prstGeom>
+          <a:noFill/>
+        </p:spPr>
+        <p:txBody>
+          <a:bodyPr wrap="none" rtlCol="0">
+            <a:spAutoFit/>
+          </a:bodyPr>
+          <a:lstStyle/>
+          <a:p>
+            <a:r>
+              <a:rPr lang="en-US" sz="3600" dirty="0"/>
+              <a:t>Natural Images</a:t>
+            </a:r>
+          </a:p>
+        </p:txBody>
+      </p:sp>
+      <p:sp>
+        <p:nvSpPr>
+          <p:cNvPr id="24" name="TextBox 23">
+            <a:extLst>
+              <a:ext uri="{FF2B5EF4-FFF2-40B4-BE49-F238E27FC236}">
+                <a16:creationId xmlns:a16="http://schemas.microsoft.com/office/drawing/2014/main" id="{E29FA58D-7316-4989-9CB1-0B17A81A010B}"/>
+              </a:ext>
+            </a:extLst>
+          </p:cNvPr>
+          <p:cNvSpPr txBox="1"/>
+          <p:nvPr/>
+        </p:nvSpPr>
+        <p:spPr>
+          <a:xfrm>
+            <a:off x="27798686" y="14178250"/>
+            <a:ext cx="6994640" cy="1200329"/>
+          </a:xfrm>
+          <a:prstGeom prst="rect">
+            <a:avLst/>
+          </a:prstGeom>
+          <a:noFill/>
+        </p:spPr>
+        <p:txBody>
+          <a:bodyPr wrap="square" rtlCol="0">
+            <a:spAutoFit/>
+          </a:bodyPr>
+          <a:lstStyle/>
+          <a:p>
+            <a:pPr algn="ctr"/>
+            <a:r>
+              <a:rPr lang="en-US" sz="3600" dirty="0"/>
+              <a:t>8x8 pixel samples from various natural images</a:t>
+            </a:r>
+          </a:p>
+        </p:txBody>
+      </p:sp>
+      <p:sp>
+        <p:nvSpPr>
+          <p:cNvPr id="25" name="TextBox 24">
+            <a:extLst>
+              <a:ext uri="{FF2B5EF4-FFF2-40B4-BE49-F238E27FC236}">
+                <a16:creationId xmlns:a16="http://schemas.microsoft.com/office/drawing/2014/main" id="{8B548C9B-E522-4658-9BDD-775FECAAAE71}"/>
+              </a:ext>
+            </a:extLst>
+          </p:cNvPr>
+          <p:cNvSpPr txBox="1"/>
+          <p:nvPr/>
+        </p:nvSpPr>
+        <p:spPr>
+          <a:xfrm>
+            <a:off x="26971506" y="18630754"/>
+            <a:ext cx="8940225" cy="1200329"/>
+          </a:xfrm>
+          <a:prstGeom prst="rect">
+            <a:avLst/>
+          </a:prstGeom>
+          <a:noFill/>
+        </p:spPr>
+        <p:txBody>
+          <a:bodyPr wrap="square" rtlCol="0">
+            <a:spAutoFit/>
+          </a:bodyPr>
+          <a:lstStyle/>
+          <a:p>
+            <a:pPr algn="ctr"/>
+            <a:r>
+              <a:rPr lang="en-US" sz="3600" dirty="0"/>
+              <a:t>Receptive fields derived from the 8x8 samples after running the images through ICA</a:t>
+            </a:r>
+          </a:p>
+        </p:txBody>
+      </p:sp>
+      <p:sp>
+        <p:nvSpPr>
+          <p:cNvPr id="26" name="TextBox 25">
+            <a:extLst>
+              <a:ext uri="{FF2B5EF4-FFF2-40B4-BE49-F238E27FC236}">
+                <a16:creationId xmlns:a16="http://schemas.microsoft.com/office/drawing/2014/main" id="{E07BBB8E-DA82-419F-A2A1-52BB65BDCA10}"/>
+              </a:ext>
+            </a:extLst>
+          </p:cNvPr>
+          <p:cNvSpPr txBox="1"/>
+          <p:nvPr/>
+        </p:nvSpPr>
+        <p:spPr>
+          <a:xfrm>
+            <a:off x="27561009" y="6790112"/>
+            <a:ext cx="7469994" cy="584775"/>
+          </a:xfrm>
+          <a:prstGeom prst="rect">
+            <a:avLst/>
+          </a:prstGeom>
+          <a:noFill/>
+        </p:spPr>
+        <p:txBody>
+          <a:bodyPr wrap="none" rtlCol="0">
+            <a:spAutoFit/>
+          </a:bodyPr>
+          <a:lstStyle/>
+          <a:p>
+            <a:r>
+              <a:rPr lang="en-US" sz="3200" dirty="0"/>
+              <a:t>Figure 2: Grayscale vs Color Image Encoding</a:t>
+            </a:r>
+          </a:p>
+        </p:txBody>
+      </p:sp>
+      <p:sp>
+        <p:nvSpPr>
+          <p:cNvPr id="27" name="TextBox 26">
+            <a:extLst>
+              <a:ext uri="{FF2B5EF4-FFF2-40B4-BE49-F238E27FC236}">
+                <a16:creationId xmlns:a16="http://schemas.microsoft.com/office/drawing/2014/main" id="{F732A1A2-8BBA-4CB4-9F95-8C36FD50DC58}"/>
+              </a:ext>
+            </a:extLst>
+          </p:cNvPr>
+          <p:cNvSpPr txBox="1"/>
+          <p:nvPr/>
+        </p:nvSpPr>
+        <p:spPr>
+          <a:xfrm>
+            <a:off x="11496893" y="17757104"/>
+            <a:ext cx="11863136" cy="2308324"/>
+          </a:xfrm>
+          <a:prstGeom prst="rect">
+            <a:avLst/>
+          </a:prstGeom>
+          <a:noFill/>
+        </p:spPr>
+        <p:txBody>
+          <a:bodyPr wrap="square" rtlCol="0">
+            <a:spAutoFit/>
+          </a:bodyPr>
+          <a:lstStyle/>
+          <a:p>
+            <a:pPr marL="685800" indent="-685800">
+              <a:buFont typeface="Arial" panose="020B0604020202020204" pitchFamily="34" charset="0"/>
+              <a:buChar char="•"/>
+            </a:pPr>
+            <a:r>
+              <a:rPr lang="en-US" sz="3600" dirty="0"/>
+              <a:t>ICA breaks the full image into smaller, independent pieces, separating layers such as color and luminescence. This allows us to create the “filters” that end up interacting with neurons in V1.</a:t>
+            </a:r>
+          </a:p>
+        </p:txBody>
+      </p:sp>
+      <p:sp>
+        <p:nvSpPr>
+          <p:cNvPr id="29" name="Rectangle 28">
+            <a:extLst>
+              <a:ext uri="{FF2B5EF4-FFF2-40B4-BE49-F238E27FC236}">
+                <a16:creationId xmlns:a16="http://schemas.microsoft.com/office/drawing/2014/main" id="{6ED91510-F431-48AD-BDD1-B11DEAD8EA49}"/>
+              </a:ext>
+            </a:extLst>
+          </p:cNvPr>
+          <p:cNvSpPr/>
+          <p:nvPr/>
+        </p:nvSpPr>
+        <p:spPr>
+          <a:xfrm>
+            <a:off x="26551796" y="23083258"/>
+            <a:ext cx="9447629" cy="1048650"/>
+          </a:xfrm>
+          <a:prstGeom prst="rect">
+            <a:avLst/>
+          </a:prstGeom>
+          <a:solidFill>
+            <a:srgbClr val="0096A0"/>
+          </a:solidFill>
+          <a:ln>
+            <a:solidFill>
+              <a:srgbClr val="FF0000"/>
+            </a:solidFill>
+          </a:ln>
+        </p:spPr>
+        <p:style>
+          <a:lnRef idx="2">
+            <a:schemeClr val="accent1">
+              <a:shade val="50000"/>
+            </a:schemeClr>
+          </a:lnRef>
+          <a:fillRef idx="1">
+            <a:schemeClr val="accent1"/>
+          </a:fillRef>
+          <a:effectRef idx="0">
+            <a:schemeClr val="accent1"/>
+          </a:effectRef>
+          <a:fontRef idx="minor">
+            <a:schemeClr val="lt1"/>
+          </a:fontRef>
+        </p:style>
+        <p:txBody>
+          <a:bodyPr rtlCol="0" anchor="ctr"/>
+          <a:lstStyle/>
+          <a:p>
+            <a:pPr algn="ctr"/>
+            <a:r>
+              <a:rPr lang="en-US" dirty="0"/>
+              <a:t>References</a:t>
+            </a:r>
+          </a:p>
+        </p:txBody>
+      </p:sp>
+      <p:sp>
+        <p:nvSpPr>
+          <p:cNvPr id="28" name="TextBox 27">
+            <a:extLst>
+              <a:ext uri="{FF2B5EF4-FFF2-40B4-BE49-F238E27FC236}">
+                <a16:creationId xmlns:a16="http://schemas.microsoft.com/office/drawing/2014/main" id="{B64CA686-7AE7-4B9C-B37C-F6EEB72AEF67}"/>
+              </a:ext>
+            </a:extLst>
+          </p:cNvPr>
+          <p:cNvSpPr txBox="1"/>
+          <p:nvPr/>
+        </p:nvSpPr>
+        <p:spPr>
+          <a:xfrm>
+            <a:off x="25366715" y="21739455"/>
+            <a:ext cx="12460190" cy="830997"/>
+          </a:xfrm>
+          <a:prstGeom prst="rect">
+            <a:avLst/>
+          </a:prstGeom>
+          <a:noFill/>
+        </p:spPr>
+        <p:txBody>
+          <a:bodyPr wrap="square" rtlCol="0">
+            <a:spAutoFit/>
+          </a:bodyPr>
+          <a:lstStyle/>
+          <a:p>
+            <a:pPr marL="571500" indent="-571500">
+              <a:buFont typeface="Arial" panose="020B0604020202020204" pitchFamily="34" charset="0"/>
+              <a:buChar char="•"/>
+            </a:pPr>
+            <a:r>
+              <a:rPr lang="en-US" sz="2400" dirty="0"/>
+              <a:t>Through our experiments, we’ve come to the conclusion that luminescence is a key component for image processing in the brain, more so than color. </a:t>
+            </a:r>
+          </a:p>
+        </p:txBody>
+      </p:sp>
+      <p:pic>
+        <p:nvPicPr>
+          <p:cNvPr id="8" name="Picture 7">
+            <a:extLst>
+              <a:ext uri="{FF2B5EF4-FFF2-40B4-BE49-F238E27FC236}">
+                <a16:creationId xmlns:a16="http://schemas.microsoft.com/office/drawing/2014/main" id="{94EA8D55-F8C0-4A9A-8FC5-9B8EA3A20488}"/>
+              </a:ext>
+            </a:extLst>
+          </p:cNvPr>
+          <p:cNvPicPr>
+            <a:picLocks noChangeAspect="1"/>
+          </p:cNvPicPr>
+          <p:nvPr/>
+        </p:nvPicPr>
+        <p:blipFill rotWithShape="1">
+          <a:blip r:embed="rId7"/>
+          <a:srcRect l="31934" t="62807" r="52500" b="23730"/>
+          <a:stretch/>
+        </p:blipFill>
+        <p:spPr>
+          <a:xfrm>
+            <a:off x="4511723" y="22482494"/>
+            <a:ext cx="2469621" cy="1201528"/>
+          </a:xfrm>
+          <a:prstGeom prst="rect">
+            <a:avLst/>
+          </a:prstGeom>
+        </p:spPr>
+      </p:pic>
+      <p:sp>
+        <p:nvSpPr>
+          <p:cNvPr id="9" name="TextBox 8">
+            <a:extLst>
+              <a:ext uri="{FF2B5EF4-FFF2-40B4-BE49-F238E27FC236}">
+                <a16:creationId xmlns:a16="http://schemas.microsoft.com/office/drawing/2014/main" id="{517FAF5E-7851-496D-A6C7-C255240AC95B}"/>
+              </a:ext>
+            </a:extLst>
+          </p:cNvPr>
+          <p:cNvSpPr txBox="1"/>
+          <p:nvPr/>
+        </p:nvSpPr>
+        <p:spPr>
+          <a:xfrm>
+            <a:off x="24945055" y="8416141"/>
+            <a:ext cx="1945854" cy="461665"/>
+          </a:xfrm>
+          <a:prstGeom prst="rect">
+            <a:avLst/>
+          </a:prstGeom>
+          <a:noFill/>
+        </p:spPr>
+        <p:txBody>
+          <a:bodyPr wrap="none" rtlCol="0">
+            <a:spAutoFit/>
+          </a:bodyPr>
+          <a:lstStyle/>
+          <a:p>
+            <a:r>
+              <a:rPr lang="en-US" sz="2400" dirty="0"/>
+              <a:t>Natural Image</a:t>
+            </a:r>
+          </a:p>
+        </p:txBody>
+      </p:sp>
+      <p:sp>
+        <p:nvSpPr>
+          <p:cNvPr id="30" name="TextBox 29">
+            <a:extLst>
+              <a:ext uri="{FF2B5EF4-FFF2-40B4-BE49-F238E27FC236}">
+                <a16:creationId xmlns:a16="http://schemas.microsoft.com/office/drawing/2014/main" id="{6B8224E5-3A8F-46F2-9E4D-1D2BFF0D2EAC}"/>
+              </a:ext>
+            </a:extLst>
+          </p:cNvPr>
+          <p:cNvSpPr txBox="1"/>
+          <p:nvPr/>
+        </p:nvSpPr>
+        <p:spPr>
+          <a:xfrm>
+            <a:off x="25366715" y="12466192"/>
+            <a:ext cx="1104790" cy="461665"/>
+          </a:xfrm>
+          <a:prstGeom prst="rect">
+            <a:avLst/>
+          </a:prstGeom>
+          <a:noFill/>
+        </p:spPr>
+        <p:txBody>
+          <a:bodyPr wrap="none" rtlCol="0">
+            <a:spAutoFit/>
+          </a:bodyPr>
+          <a:lstStyle/>
+          <a:p>
+            <a:r>
+              <a:rPr lang="en-US" sz="2400" dirty="0"/>
+              <a:t>Sample</a:t>
+            </a:r>
+          </a:p>
+        </p:txBody>
+      </p:sp>
+      <p:sp>
+        <p:nvSpPr>
+          <p:cNvPr id="31" name="TextBox 30">
+            <a:extLst>
+              <a:ext uri="{FF2B5EF4-FFF2-40B4-BE49-F238E27FC236}">
+                <a16:creationId xmlns:a16="http://schemas.microsoft.com/office/drawing/2014/main" id="{27D70BFF-0572-4231-A4BE-47F678094ACD}"/>
+              </a:ext>
+            </a:extLst>
+          </p:cNvPr>
+          <p:cNvSpPr txBox="1"/>
+          <p:nvPr/>
+        </p:nvSpPr>
+        <p:spPr>
+          <a:xfrm>
+            <a:off x="24353783" y="16508611"/>
+            <a:ext cx="3128397" cy="830997"/>
+          </a:xfrm>
+          <a:prstGeom prst="rect">
+            <a:avLst/>
+          </a:prstGeom>
+          <a:noFill/>
+        </p:spPr>
+        <p:txBody>
+          <a:bodyPr wrap="square" rtlCol="0">
+            <a:spAutoFit/>
+          </a:bodyPr>
+          <a:lstStyle/>
+          <a:p>
+            <a:pPr algn="ctr"/>
+            <a:r>
+              <a:rPr lang="en-US" sz="2400" dirty="0"/>
+              <a:t>Produced Neural Receptive field</a:t>
+            </a:r>
+          </a:p>
+        </p:txBody>
+      </p:sp>
+      <p:pic>
+        <p:nvPicPr>
+          <p:cNvPr id="1027" name="Picture 1026">
+            <a:extLst>
+              <a:ext uri="{FF2B5EF4-FFF2-40B4-BE49-F238E27FC236}">
+                <a16:creationId xmlns:a16="http://schemas.microsoft.com/office/drawing/2014/main" id="{B071C62F-4FE8-4023-BA2C-62267629F337}"/>
+              </a:ext>
+            </a:extLst>
+          </p:cNvPr>
+          <p:cNvPicPr>
+            <a:picLocks noChangeAspect="1"/>
+          </p:cNvPicPr>
+          <p:nvPr/>
+        </p:nvPicPr>
+        <p:blipFill rotWithShape="1">
+          <a:blip r:embed="rId8">
+            <a:extLst>
+              <a:ext uri="{28A0092B-C50C-407E-A947-70E740481C1C}">
+                <a14:useLocalDpi xmlns:a14="http://schemas.microsoft.com/office/drawing/2010/main" val="0"/>
+              </a:ext>
+            </a:extLst>
+          </a:blip>
+          <a:srcRect t="1" b="2368"/>
+          <a:stretch/>
+        </p:blipFill>
+        <p:spPr>
+          <a:xfrm>
+            <a:off x="10836400" y="7374887"/>
+            <a:ext cx="13539149" cy="7479919"/>
+          </a:xfrm>
+          <a:prstGeom prst="rect">
+            <a:avLst/>
+          </a:prstGeom>
+        </p:spPr>
+      </p:pic>
+      <p:sp>
+        <p:nvSpPr>
+          <p:cNvPr id="1028" name="Rectangle 1027">
+            <a:extLst>
+              <a:ext uri="{FF2B5EF4-FFF2-40B4-BE49-F238E27FC236}">
+                <a16:creationId xmlns:a16="http://schemas.microsoft.com/office/drawing/2014/main" id="{51483111-FFEE-4484-B6B1-28EA300E8326}"/>
+              </a:ext>
+            </a:extLst>
+          </p:cNvPr>
+          <p:cNvSpPr/>
+          <p:nvPr/>
+        </p:nvSpPr>
+        <p:spPr>
+          <a:xfrm>
+            <a:off x="11705635" y="7520398"/>
+            <a:ext cx="1236729" cy="654099"/>
+          </a:xfrm>
+          <a:prstGeom prst="rect">
+            <a:avLst/>
+          </a:prstGeom>
+          <a:solidFill>
+            <a:schemeClr val="bg1"/>
+          </a:solidFill>
+          <a:ln>
+            <a:solidFill>
+              <a:schemeClr val="bg1"/>
+            </a:solidFill>
+          </a:ln>
+        </p:spPr>
+        <p:style>
+          <a:lnRef idx="2">
+            <a:schemeClr val="accent1">
+              <a:shade val="50000"/>
+            </a:schemeClr>
+          </a:lnRef>
+          <a:fillRef idx="1">
+            <a:schemeClr val="accent1"/>
+          </a:fillRef>
+          <a:effectRef idx="0">
+            <a:schemeClr val="accent1"/>
+          </a:effectRef>
+          <a:fontRef idx="minor">
+            <a:schemeClr val="lt1"/>
+          </a:fontRef>
+        </p:style>
+        <p:txBody>
+          <a:bodyPr rtlCol="0" anchor="ctr"/>
+          <a:lstStyle/>
+          <a:p>
+            <a:pPr algn="ctr"/>
+            <a:endParaRPr lang="en-US"/>
+          </a:p>
+        </p:txBody>
+      </p:sp>
+      <p:sp>
+        <p:nvSpPr>
+          <p:cNvPr id="1029" name="TextBox 1028">
+            <a:extLst>
+              <a:ext uri="{FF2B5EF4-FFF2-40B4-BE49-F238E27FC236}">
+                <a16:creationId xmlns:a16="http://schemas.microsoft.com/office/drawing/2014/main" id="{575B1D28-5A32-437B-9AF6-048F732CB50D}"/>
+              </a:ext>
+            </a:extLst>
+          </p:cNvPr>
+          <p:cNvSpPr txBox="1"/>
+          <p:nvPr/>
+        </p:nvSpPr>
+        <p:spPr>
+          <a:xfrm>
+            <a:off x="11635252" y="7712832"/>
+            <a:ext cx="1377493" cy="461665"/>
+          </a:xfrm>
+          <a:prstGeom prst="rect">
+            <a:avLst/>
+          </a:prstGeom>
+          <a:noFill/>
+        </p:spPr>
+        <p:txBody>
+          <a:bodyPr wrap="none" rtlCol="0">
+            <a:spAutoFit/>
+          </a:bodyPr>
+          <a:lstStyle/>
+          <a:p>
+            <a:r>
+              <a:rPr lang="en-US" sz="2400" dirty="0"/>
+              <a:t>Grayscale</a:t>
+            </a:r>
+          </a:p>
+        </p:txBody>
+      </p:sp>
+      <p:cxnSp>
+        <p:nvCxnSpPr>
+          <p:cNvPr id="1032" name="Straight Connector 1031">
+            <a:extLst>
+              <a:ext uri="{FF2B5EF4-FFF2-40B4-BE49-F238E27FC236}">
+                <a16:creationId xmlns:a16="http://schemas.microsoft.com/office/drawing/2014/main" id="{EB518E95-A1E0-4791-8E0E-9C965142EAE4}"/>
+              </a:ext>
+            </a:extLst>
+          </p:cNvPr>
+          <p:cNvCxnSpPr/>
+          <p:nvPr/>
+        </p:nvCxnSpPr>
+        <p:spPr>
+          <a:xfrm>
+            <a:off x="10757968" y="4862063"/>
+            <a:ext cx="0" cy="21172937"/>
+          </a:xfrm>
+          <a:prstGeom prst="line">
+            <a:avLst/>
+          </a:prstGeom>
+        </p:spPr>
+        <p:style>
+          <a:lnRef idx="1">
+            <a:schemeClr val="accent1"/>
+          </a:lnRef>
+          <a:fillRef idx="0">
+            <a:schemeClr val="accent1"/>
+          </a:fillRef>
+          <a:effectRef idx="0">
+            <a:schemeClr val="accent1"/>
+          </a:effectRef>
+          <a:fontRef idx="minor">
+            <a:schemeClr val="tx1"/>
+          </a:fontRef>
+        </p:style>
+      </p:cxnSp>
+      <p:cxnSp>
+        <p:nvCxnSpPr>
+          <p:cNvPr id="41" name="Straight Connector 40">
+            <a:extLst>
+              <a:ext uri="{FF2B5EF4-FFF2-40B4-BE49-F238E27FC236}">
+                <a16:creationId xmlns:a16="http://schemas.microsoft.com/office/drawing/2014/main" id="{738354DA-D601-4F73-8BAA-017092870F00}"/>
+              </a:ext>
+            </a:extLst>
+          </p:cNvPr>
+          <p:cNvCxnSpPr/>
+          <p:nvPr/>
+        </p:nvCxnSpPr>
+        <p:spPr>
+          <a:xfrm>
+            <a:off x="24676790" y="4837614"/>
+            <a:ext cx="0" cy="21172937"/>
+          </a:xfrm>
+          <a:prstGeom prst="line">
+            <a:avLst/>
+          </a:prstGeom>
+        </p:spPr>
+        <p:style>
+          <a:lnRef idx="1">
+            <a:schemeClr val="accent1"/>
+          </a:lnRef>
+          <a:fillRef idx="0">
+            <a:schemeClr val="accent1"/>
+          </a:fillRef>
+          <a:effectRef idx="0">
+            <a:schemeClr val="accent1"/>
+          </a:effectRef>
+          <a:fontRef idx="minor">
+            <a:schemeClr val="tx1"/>
+          </a:fontRef>
+        </p:style>
+      </p:cxnSp>
+      <p:sp>
+        <p:nvSpPr>
+          <p:cNvPr id="1033" name="TextBox 1032">
+            <a:extLst>
+              <a:ext uri="{FF2B5EF4-FFF2-40B4-BE49-F238E27FC236}">
+                <a16:creationId xmlns:a16="http://schemas.microsoft.com/office/drawing/2014/main" id="{4DB1489F-F228-46AA-BF1A-E6D0715B724A}"/>
+              </a:ext>
+            </a:extLst>
+          </p:cNvPr>
+          <p:cNvSpPr txBox="1"/>
+          <p:nvPr/>
+        </p:nvSpPr>
+        <p:spPr>
+          <a:xfrm>
+            <a:off x="14251144" y="6907126"/>
+            <a:ext cx="6850017" cy="584775"/>
+          </a:xfrm>
+          <a:prstGeom prst="rect">
+            <a:avLst/>
+          </a:prstGeom>
+          <a:noFill/>
+        </p:spPr>
+        <p:txBody>
+          <a:bodyPr wrap="none" rtlCol="0">
+            <a:spAutoFit/>
+          </a:bodyPr>
+          <a:lstStyle/>
+          <a:p>
+            <a:r>
+              <a:rPr lang="en-US" sz="3200" dirty="0"/>
+              <a:t>Figure 3: Stimuli Processed by the Brain </a:t>
+            </a:r>
+          </a:p>
+        </p:txBody>
+      </p:sp>
+      <p:sp>
+        <p:nvSpPr>
+          <p:cNvPr id="1034" name="Rectangle 1033">
+            <a:extLst>
+              <a:ext uri="{FF2B5EF4-FFF2-40B4-BE49-F238E27FC236}">
+                <a16:creationId xmlns:a16="http://schemas.microsoft.com/office/drawing/2014/main" id="{FAE9CBCF-1CD4-49BB-8E35-DB85286EF334}"/>
+              </a:ext>
+            </a:extLst>
+          </p:cNvPr>
+          <p:cNvSpPr/>
+          <p:nvPr/>
+        </p:nvSpPr>
+        <p:spPr>
+          <a:xfrm>
+            <a:off x="11783545" y="21065048"/>
+            <a:ext cx="10522516" cy="1554950"/>
+          </a:xfrm>
+          <a:prstGeom prst="rect">
+            <a:avLst/>
+          </a:prstGeom>
+          <a:solidFill>
+            <a:schemeClr val="bg1"/>
+          </a:solidFill>
+          <a:ln>
+            <a:solidFill>
+              <a:schemeClr val="bg1"/>
+            </a:solidFill>
+          </a:ln>
+        </p:spPr>
+        <p:style>
+          <a:lnRef idx="2">
+            <a:schemeClr val="accent1">
+              <a:shade val="50000"/>
+            </a:schemeClr>
+          </a:lnRef>
+          <a:fillRef idx="1">
+            <a:schemeClr val="accent1"/>
+          </a:fillRef>
+          <a:effectRef idx="0">
+            <a:schemeClr val="accent1"/>
+          </a:effectRef>
+          <a:fontRef idx="minor">
+            <a:schemeClr val="lt1"/>
+          </a:fontRef>
+        </p:style>
+        <p:txBody>
+          <a:bodyPr rtlCol="0" anchor="ctr"/>
+          <a:lstStyle/>
+          <a:p>
+            <a:pPr algn="ctr"/>
+            <a:endParaRPr lang="en-US" dirty="0"/>
+          </a:p>
+        </p:txBody>
+      </p:sp>
+      <p:sp>
+        <p:nvSpPr>
+          <p:cNvPr id="1035" name="TextBox 1034">
+            <a:extLst>
+              <a:ext uri="{FF2B5EF4-FFF2-40B4-BE49-F238E27FC236}">
+                <a16:creationId xmlns:a16="http://schemas.microsoft.com/office/drawing/2014/main" id="{7388D21C-C9A3-4A01-A323-A774A9F861D3}"/>
+              </a:ext>
+            </a:extLst>
+          </p:cNvPr>
+          <p:cNvSpPr txBox="1"/>
+          <p:nvPr/>
+        </p:nvSpPr>
+        <p:spPr>
+          <a:xfrm>
+            <a:off x="15653800" y="21739455"/>
+            <a:ext cx="3548600" cy="523220"/>
+          </a:xfrm>
+          <a:prstGeom prst="rect">
+            <a:avLst/>
+          </a:prstGeom>
+          <a:noFill/>
+        </p:spPr>
+        <p:txBody>
+          <a:bodyPr wrap="none" rtlCol="0">
+            <a:spAutoFit/>
+          </a:bodyPr>
+          <a:lstStyle/>
+          <a:p>
+            <a:r>
+              <a:rPr lang="en-US" sz="2800" dirty="0"/>
+              <a:t>Figure 4: ICA Algorithm</a:t>
+            </a:r>
+          </a:p>
+        </p:txBody>
+      </p:sp>
+      <p:sp>
+        <p:nvSpPr>
+          <p:cNvPr id="1037" name="TextBox 1036">
+            <a:extLst>
+              <a:ext uri="{FF2B5EF4-FFF2-40B4-BE49-F238E27FC236}">
+                <a16:creationId xmlns:a16="http://schemas.microsoft.com/office/drawing/2014/main" id="{1AC56146-DEC7-48EA-B1C5-0CE9E80266D3}"/>
+              </a:ext>
+            </a:extLst>
+          </p:cNvPr>
+          <p:cNvSpPr txBox="1"/>
+          <p:nvPr/>
+        </p:nvSpPr>
+        <p:spPr>
+          <a:xfrm>
+            <a:off x="11176682" y="15489559"/>
+            <a:ext cx="12998940" cy="1077218"/>
+          </a:xfrm>
+          <a:prstGeom prst="rect">
+            <a:avLst/>
+          </a:prstGeom>
+          <a:noFill/>
+        </p:spPr>
+        <p:txBody>
+          <a:bodyPr wrap="square" rtlCol="0">
+            <a:spAutoFit/>
+          </a:bodyPr>
+          <a:lstStyle/>
+          <a:p>
+            <a:pPr algn="ctr"/>
+            <a:r>
+              <a:rPr lang="en-US" sz="3200" dirty="0"/>
+              <a:t>Grayscale images, color images, video, audio, and binocular images are all processed by the same algorithm (ICA) in V1.</a:t>
+            </a:r>
+          </a:p>
+        </p:txBody>
+      </p:sp>
+      <p:sp>
+        <p:nvSpPr>
+          <p:cNvPr id="11" name="TextBox 10">
+            <a:extLst>
+              <a:ext uri="{FF2B5EF4-FFF2-40B4-BE49-F238E27FC236}">
+                <a16:creationId xmlns:a16="http://schemas.microsoft.com/office/drawing/2014/main" id="{3AEA9C6E-9E07-40CB-95BA-B816ED6672E7}"/>
+              </a:ext>
+            </a:extLst>
+          </p:cNvPr>
+          <p:cNvSpPr txBox="1"/>
+          <p:nvPr/>
+        </p:nvSpPr>
+        <p:spPr>
+          <a:xfrm>
+            <a:off x="1947703" y="24131908"/>
+            <a:ext cx="6949418" cy="1200329"/>
+          </a:xfrm>
+          <a:prstGeom prst="rect">
+            <a:avLst/>
+          </a:prstGeom>
+          <a:noFill/>
+        </p:spPr>
+        <p:txBody>
+          <a:bodyPr wrap="square" rtlCol="0">
+            <a:spAutoFit/>
+          </a:bodyPr>
+          <a:lstStyle/>
+          <a:p>
+            <a:r>
+              <a:rPr lang="en-US" sz="2400" dirty="0"/>
+              <a:t>This figure illustrates the region in the brain where the Primary Visual Cortex is located . Below this figure is a  a real visual receptive field.</a:t>
+            </a:r>
+          </a:p>
+        </p:txBody>
+      </p:sp>
+      <p:cxnSp>
+        <p:nvCxnSpPr>
+          <p:cNvPr id="14" name="Straight Arrow Connector 13">
+            <a:extLst>
+              <a:ext uri="{FF2B5EF4-FFF2-40B4-BE49-F238E27FC236}">
+                <a16:creationId xmlns:a16="http://schemas.microsoft.com/office/drawing/2014/main" id="{D2AA6235-F562-4ED0-BBA7-8EB0C1B9D3AD}"/>
+              </a:ext>
+            </a:extLst>
+          </p:cNvPr>
+          <p:cNvCxnSpPr>
+            <a:cxnSpLocks/>
+          </p:cNvCxnSpPr>
+          <p:nvPr/>
+        </p:nvCxnSpPr>
+        <p:spPr>
+          <a:xfrm flipH="1">
+            <a:off x="8084408" y="19831083"/>
+            <a:ext cx="1537480" cy="900288"/>
+          </a:xfrm>
+          <a:prstGeom prst="straightConnector1">
+            <a:avLst/>
+          </a:prstGeom>
+          <a:ln>
+            <a:solidFill>
+              <a:srgbClr val="C00000"/>
+            </a:solidFill>
+            <a:tailEnd type="triangle"/>
+          </a:ln>
+        </p:spPr>
+        <p:style>
+          <a:lnRef idx="1">
+            <a:schemeClr val="accent2"/>
+          </a:lnRef>
+          <a:fillRef idx="0">
+            <a:schemeClr val="accent2"/>
+          </a:fillRef>
+          <a:effectRef idx="0">
+            <a:schemeClr val="accent2"/>
+          </a:effectRef>
+          <a:fontRef idx="minor">
+            <a:schemeClr val="tx1"/>
+          </a:fontRef>
+        </p:style>
+      </p:cxnSp>
     </p:spTree>
     <p:extLst>
       <p:ext uri="{BB962C8B-B14F-4D97-AF65-F5344CB8AC3E}">
@@ -3562,4 +5178,299 @@
     </a:ext>
   </a:extLst>
 </a:theme>
+</file>
+
+<file path=ppt/theme/theme2.xml><?xml version="1.0" encoding="utf-8"?>
+<a:theme xmlns:a="http://schemas.openxmlformats.org/drawingml/2006/main" name="Office Theme">
+  <a:themeElements>
+    <a:clrScheme name="Office">
+      <a:dk1>
+        <a:sysClr val="windowText" lastClr="000000"/>
+      </a:dk1>
+      <a:lt1>
+        <a:sysClr val="window" lastClr="FFFFFF"/>
+      </a:lt1>
+      <a:dk2>
+        <a:srgbClr val="44546A"/>
+      </a:dk2>
+      <a:lt2>
+        <a:srgbClr val="E7E6E6"/>
+      </a:lt2>
+      <a:accent1>
+        <a:srgbClr val="4472C4"/>
+      </a:accent1>
+      <a:accent2>
+        <a:srgbClr val="ED7D31"/>
+      </a:accent2>
+      <a:accent3>
+        <a:srgbClr val="A5A5A5"/>
+      </a:accent3>
+      <a:accent4>
+        <a:srgbClr val="FFC000"/>
+      </a:accent4>
+      <a:accent5>
+        <a:srgbClr val="5B9BD5"/>
+      </a:accent5>
+      <a:accent6>
+        <a:srgbClr val="70AD47"/>
+      </a:accent6>
+      <a:hlink>
+        <a:srgbClr val="0563C1"/>
+      </a:hlink>
+      <a:folHlink>
+        <a:srgbClr val="954F72"/>
+      </a:folHlink>
+    </a:clrScheme>
+    <a:fontScheme name="Office">
+      <a:majorFont>
+        <a:latin typeface="Calibri Light" panose="020F0302020204030204"/>
+        <a:ea typeface=""/>
+        <a:cs typeface=""/>
+        <a:font script="Jpan" typeface="游ゴシック Light"/>
+        <a:font script="Hang" typeface="맑은 고딕"/>
+        <a:font script="Hans" typeface="等线 Light"/>
+        <a:font script="Hant" typeface="新細明體"/>
+        <a:font script="Arab" typeface="Times New Roman"/>
+        <a:font script="Hebr" typeface="Times New Roman"/>
+        <a:font script="Thai" typeface="Angsana New"/>
+        <a:font script="Ethi" typeface="Nyala"/>
+        <a:font script="Beng" typeface="Vrinda"/>
+        <a:font script="Gujr" typeface="Shruti"/>
+        <a:font script="Khmr" typeface="MoolBoran"/>
+        <a:font script="Knda" typeface="Tunga"/>
+        <a:font script="Guru" typeface="Raavi"/>
+        <a:font script="Cans" typeface="Euphemia"/>
+        <a:font script="Cher" typeface="Plantagenet Cherokee"/>
+        <a:font script="Yiii" typeface="Microsoft Yi Baiti"/>
+        <a:font script="Tibt" typeface="Microsoft Himalaya"/>
+        <a:font script="Thaa" typeface="MV Boli"/>
+        <a:font script="Deva" typeface="Mangal"/>
+        <a:font script="Telu" typeface="Gautami"/>
+        <a:font script="Taml" typeface="Latha"/>
+        <a:font script="Syrc" typeface="Estrangelo Edessa"/>
+        <a:font script="Orya" typeface="Kalinga"/>
+        <a:font script="Mlym" typeface="Kartika"/>
+        <a:font script="Laoo" typeface="DokChampa"/>
+        <a:font script="Sinh" typeface="Iskoola Pota"/>
+        <a:font script="Mong" typeface="Mongolian Baiti"/>
+        <a:font script="Viet" typeface="Times New Roman"/>
+        <a:font script="Uigh" typeface="Microsoft Uighur"/>
+        <a:font script="Geor" typeface="Sylfaen"/>
+        <a:font script="Armn" typeface="Arial"/>
+        <a:font script="Bugi" typeface="Leelawadee UI"/>
+        <a:font script="Bopo" typeface="Microsoft JhengHei"/>
+        <a:font script="Java" typeface="Javanese Text"/>
+        <a:font script="Lisu" typeface="Segoe UI"/>
+        <a:font script="Mymr" typeface="Myanmar Text"/>
+        <a:font script="Nkoo" typeface="Ebrima"/>
+        <a:font script="Olck" typeface="Nirmala UI"/>
+        <a:font script="Osma" typeface="Ebrima"/>
+        <a:font script="Phag" typeface="Phagspa"/>
+        <a:font script="Syrn" typeface="Estrangelo Edessa"/>
+        <a:font script="Syrj" typeface="Estrangelo Edessa"/>
+        <a:font script="Syre" typeface="Estrangelo Edessa"/>
+        <a:font script="Sora" typeface="Nirmala UI"/>
+        <a:font script="Tale" typeface="Microsoft Tai Le"/>
+        <a:font script="Talu" typeface="Microsoft New Tai Lue"/>
+        <a:font script="Tfng" typeface="Ebrima"/>
+      </a:majorFont>
+      <a:minorFont>
+        <a:latin typeface="Calibri" panose="020F0502020204030204"/>
+        <a:ea typeface=""/>
+        <a:cs typeface=""/>
+        <a:font script="Jpan" typeface="游ゴシック"/>
+        <a:font script="Hang" typeface="맑은 고딕"/>
+        <a:font script="Hans" typeface="等线"/>
+        <a:font script="Hant" typeface="新細明體"/>
+        <a:font script="Arab" typeface="Arial"/>
+        <a:font script="Hebr" typeface="Arial"/>
+        <a:font script="Thai" typeface="Cordia New"/>
+        <a:font script="Ethi" typeface="Nyala"/>
+        <a:font script="Beng" typeface="Vrinda"/>
+        <a:font script="Gujr" typeface="Shruti"/>
+        <a:font script="Khmr" typeface="DaunPenh"/>
+        <a:font script="Knda" typeface="Tunga"/>
+        <a:font script="Guru" typeface="Raavi"/>
+        <a:font script="Cans" typeface="Euphemia"/>
+        <a:font script="Cher" typeface="Plantagenet Cherokee"/>
+        <a:font script="Yiii" typeface="Microsoft Yi Baiti"/>
+        <a:font script="Tibt" typeface="Microsoft Himalaya"/>
+        <a:font script="Thaa" typeface="MV Boli"/>
+        <a:font script="Deva" typeface="Mangal"/>
+        <a:font script="Telu" typeface="Gautami"/>
+        <a:font script="Taml" typeface="Latha"/>
+        <a:font script="Syrc" typeface="Estrangelo Edessa"/>
+        <a:font script="Orya" typeface="Kalinga"/>
+        <a:font script="Mlym" typeface="Kartika"/>
+        <a:font script="Laoo" typeface="DokChampa"/>
+        <a:font script="Sinh" typeface="Iskoola Pota"/>
+        <a:font script="Mong" typeface="Mongolian Baiti"/>
+        <a:font script="Viet" typeface="Arial"/>
+        <a:font script="Uigh" typeface="Microsoft Uighur"/>
+        <a:font script="Geor" typeface="Sylfaen"/>
+        <a:font script="Armn" typeface="Arial"/>
+        <a:font script="Bugi" typeface="Leelawadee UI"/>
+        <a:font script="Bopo" typeface="Microsoft JhengHei"/>
+        <a:font script="Java" typeface="Javanese Text"/>
+        <a:font script="Lisu" typeface="Segoe UI"/>
+        <a:font script="Mymr" typeface="Myanmar Text"/>
+        <a:font script="Nkoo" typeface="Ebrima"/>
+        <a:font script="Olck" typeface="Nirmala UI"/>
+        <a:font script="Osma" typeface="Ebrima"/>
+        <a:font script="Phag" typeface="Phagspa"/>
+        <a:font script="Syrn" typeface="Estrangelo Edessa"/>
+        <a:font script="Syrj" typeface="Estrangelo Edessa"/>
+        <a:font script="Syre" typeface="Estrangelo Edessa"/>
+        <a:font script="Sora" typeface="Nirmala UI"/>
+        <a:font script="Tale" typeface="Microsoft Tai Le"/>
+        <a:font script="Talu" typeface="Microsoft New Tai Lue"/>
+        <a:font script="Tfng" typeface="Ebrima"/>
+      </a:minorFont>
+    </a:fontScheme>
+    <a:fmtScheme name="Office">
+      <a:fillStyleLst>
+        <a:solidFill>
+          <a:schemeClr val="phClr"/>
+        </a:solidFill>
+        <a:gradFill rotWithShape="1">
+          <a:gsLst>
+            <a:gs pos="0">
+              <a:schemeClr val="phClr">
+                <a:lumMod val="110000"/>
+                <a:satMod val="105000"/>
+                <a:tint val="67000"/>
+              </a:schemeClr>
+            </a:gs>
+            <a:gs pos="50000">
+              <a:schemeClr val="phClr">
+                <a:lumMod val="105000"/>
+                <a:satMod val="103000"/>
+                <a:tint val="73000"/>
+              </a:schemeClr>
+            </a:gs>
+            <a:gs pos="100000">
+              <a:schemeClr val="phClr">
+                <a:lumMod val="105000"/>
+                <a:satMod val="109000"/>
+                <a:tint val="81000"/>
+              </a:schemeClr>
+            </a:gs>
+          </a:gsLst>
+          <a:lin ang="5400000" scaled="0"/>
+        </a:gradFill>
+        <a:gradFill rotWithShape="1">
+          <a:gsLst>
+            <a:gs pos="0">
+              <a:schemeClr val="phClr">
+                <a:satMod val="103000"/>
+                <a:lumMod val="102000"/>
+                <a:tint val="94000"/>
+              </a:schemeClr>
+            </a:gs>
+            <a:gs pos="50000">
+              <a:schemeClr val="phClr">
+                <a:satMod val="110000"/>
+                <a:lumMod val="100000"/>
+                <a:shade val="100000"/>
+              </a:schemeClr>
+            </a:gs>
+            <a:gs pos="100000">
+              <a:schemeClr val="phClr">
+                <a:lumMod val="99000"/>
+                <a:satMod val="120000"/>
+                <a:shade val="78000"/>
+              </a:schemeClr>
+            </a:gs>
+          </a:gsLst>
+          <a:lin ang="5400000" scaled="0"/>
+        </a:gradFill>
+      </a:fillStyleLst>
+      <a:lnStyleLst>
+        <a:ln w="6350" cap="flat" cmpd="sng" algn="ctr">
+          <a:solidFill>
+            <a:schemeClr val="phClr"/>
+          </a:solidFill>
+          <a:prstDash val="solid"/>
+          <a:miter lim="800000"/>
+        </a:ln>
+        <a:ln w="12700" cap="flat" cmpd="sng" algn="ctr">
+          <a:solidFill>
+            <a:schemeClr val="phClr"/>
+          </a:solidFill>
+          <a:prstDash val="solid"/>
+          <a:miter lim="800000"/>
+        </a:ln>
+        <a:ln w="19050" cap="flat" cmpd="sng" algn="ctr">
+          <a:solidFill>
+            <a:schemeClr val="phClr"/>
+          </a:solidFill>
+          <a:prstDash val="solid"/>
+          <a:miter lim="800000"/>
+        </a:ln>
+      </a:lnStyleLst>
+      <a:effectStyleLst>
+        <a:effectStyle>
+          <a:effectLst/>
+        </a:effectStyle>
+        <a:effectStyle>
+          <a:effectLst/>
+        </a:effectStyle>
+        <a:effectStyle>
+          <a:effectLst>
+            <a:outerShdw blurRad="57150" dist="19050" dir="5400000" algn="ctr" rotWithShape="0">
+              <a:srgbClr val="000000">
+                <a:alpha val="63000"/>
+              </a:srgbClr>
+            </a:outerShdw>
+          </a:effectLst>
+        </a:effectStyle>
+      </a:effectStyleLst>
+      <a:bgFillStyleLst>
+        <a:solidFill>
+          <a:schemeClr val="phClr"/>
+        </a:solidFill>
+        <a:solidFill>
+          <a:schemeClr val="phClr">
+            <a:tint val="95000"/>
+            <a:satMod val="170000"/>
+          </a:schemeClr>
+        </a:solidFill>
+        <a:gradFill rotWithShape="1">
+          <a:gsLst>
+            <a:gs pos="0">
+              <a:schemeClr val="phClr">
+                <a:tint val="93000"/>
+                <a:satMod val="150000"/>
+                <a:shade val="98000"/>
+                <a:lumMod val="102000"/>
+              </a:schemeClr>
+            </a:gs>
+            <a:gs pos="50000">
+              <a:schemeClr val="phClr">
+                <a:tint val="98000"/>
+                <a:satMod val="130000"/>
+                <a:shade val="90000"/>
+                <a:lumMod val="103000"/>
+              </a:schemeClr>
+            </a:gs>
+            <a:gs pos="100000">
+              <a:schemeClr val="phClr">
+                <a:shade val="63000"/>
+                <a:satMod val="120000"/>
+              </a:schemeClr>
+            </a:gs>
+          </a:gsLst>
+          <a:lin ang="5400000" scaled="0"/>
+        </a:gradFill>
+      </a:bgFillStyleLst>
+    </a:fmtScheme>
+  </a:themeElements>
+  <a:objectDefaults/>
+  <a:extraClrSchemeLst/>
+  <a:extLst>
+    <a:ext uri="{05A4C25C-085E-4340-85A3-A5531E510DB2}">
+      <thm15:themeFamily xmlns:thm15="http://schemas.microsoft.com/office/thememl/2012/main" name="Office Theme" id="{62F939B6-93AF-4DB8-9C6B-D6C7DFDC589F}" vid="{4A3C46E8-61CC-4603-A589-7422A47A8E4A}"/>
+    </a:ext>
+  </a:extLst>
+</a:theme>
 </file>